--- a/Presentation/Presentation PPTX.pptx
+++ b/Presentation/Presentation PPTX.pptx
@@ -1,36 +1,37 @@
 
 <file path=ppt/presentation.xml><?xml version="1.0" encoding="utf-8"?>
-<p:presentation xmlns:a="http://schemas.openxmlformats.org/drawingml/2006/main" xmlns:r="http://schemas.openxmlformats.org/officeDocument/2006/relationships" xmlns:p="http://schemas.openxmlformats.org/presentationml/2006/main" saveSubsetFonts="1" embedTrueTypeFonts="true">
+<p:presentation xmlns:a="http://schemas.openxmlformats.org/drawingml/2006/main" xmlns:r="http://schemas.openxmlformats.org/officeDocument/2006/relationships" xmlns:p="http://schemas.openxmlformats.org/presentationml/2006/main" embedTrueTypeFonts="1" saveSubsetFonts="1">
   <p:sldMasterIdLst>
     <p:sldMasterId id="2147483648" r:id="rId1"/>
   </p:sldMasterIdLst>
   <p:sldIdLst>
-    <p:sldId id="256" r:id="rId6"/>
-    <p:sldId id="257" r:id="rId7"/>
-    <p:sldId id="258" r:id="rId8"/>
-    <p:sldId id="259" r:id="rId9"/>
-    <p:sldId id="260" r:id="rId10"/>
-    <p:sldId id="261" r:id="rId11"/>
-    <p:sldId id="262" r:id="rId12"/>
-    <p:sldId id="263" r:id="rId13"/>
-    <p:sldId id="264" r:id="rId14"/>
-    <p:sldId id="265" r:id="rId15"/>
-    <p:sldId id="266" r:id="rId16"/>
-    <p:sldId id="267" r:id="rId17"/>
-    <p:sldId id="268" r:id="rId18"/>
-    <p:sldId id="269" r:id="rId19"/>
-    <p:sldId id="270" r:id="rId20"/>
+    <p:sldId id="256" r:id="rId2"/>
+    <p:sldId id="257" r:id="rId3"/>
+    <p:sldId id="258" r:id="rId4"/>
+    <p:sldId id="259" r:id="rId5"/>
+    <p:sldId id="260" r:id="rId6"/>
+    <p:sldId id="261" r:id="rId7"/>
+    <p:sldId id="262" r:id="rId8"/>
+    <p:sldId id="263" r:id="rId9"/>
+    <p:sldId id="264" r:id="rId10"/>
+    <p:sldId id="265" r:id="rId11"/>
+    <p:sldId id="266" r:id="rId12"/>
+    <p:sldId id="267" r:id="rId13"/>
+    <p:sldId id="268" r:id="rId14"/>
+    <p:sldId id="269" r:id="rId15"/>
+    <p:sldId id="270" r:id="rId16"/>
   </p:sldIdLst>
   <p:sldSz cx="18288000" cy="10287000"/>
   <p:notesSz cx="6858000" cy="9144000"/>
   <p:embeddedFontLst>
     <p:embeddedFont>
-      <p:font typeface="Now Bold" charset="1" panose="00000800000000000000"/>
-      <p:regular r:id="rId21"/>
+      <p:font typeface="Now" pitchFamily="2" charset="77"/>
+      <p:regular r:id="rId17"/>
     </p:embeddedFont>
     <p:embeddedFont>
-      <p:font typeface="Now" charset="1" panose="00000500000000000000"/>
-      <p:regular r:id="rId22"/>
+      <p:font typeface="Now Bold" pitchFamily="2" charset="77"/>
+      <p:regular r:id="rId18"/>
+      <p:bold r:id="rId19"/>
     </p:embeddedFont>
   </p:embeddedFontLst>
   <p:defaultTextStyle>
@@ -128,6 +129,22 @@
       </a:defRPr>
     </a:lvl9pPr>
   </p:defaultTextStyle>
+  <p:extLst>
+    <p:ext uri="{EFAFB233-063F-42B5-8137-9DF3F51BA10A}">
+      <p15:sldGuideLst xmlns:p15="http://schemas.microsoft.com/office/powerpoint/2012/main">
+        <p15:guide id="1" orient="horz" pos="2160">
+          <p15:clr>
+            <a:srgbClr val="A4A3A4"/>
+          </p15:clr>
+        </p15:guide>
+        <p15:guide id="2" pos="2880">
+          <p15:clr>
+            <a:srgbClr val="A4A3A4"/>
+          </p15:clr>
+        </p15:guide>
+      </p15:sldGuideLst>
+    </p:ext>
+  </p:extLst>
 </p:presentation>
 </file>
 
@@ -169,10 +186,9 @@
           <a:lstStyle/>
           <a:p>
             <a:r>
-              <a:rPr lang="en-US" smtClean="0"/>
+              <a:rPr lang="en-US"/>
               <a:t>Click to edit Master title style</a:t>
             </a:r>
-            <a:endParaRPr lang="en-US"/>
           </a:p>
         </p:txBody>
       </p:sp>
@@ -288,10 +304,9 @@
           </a:lstStyle>
           <a:p>
             <a:r>
-              <a:rPr lang="en-US" smtClean="0"/>
+              <a:rPr lang="en-US"/>
               <a:t>Click to edit Master subtitle style</a:t>
             </a:r>
-            <a:endParaRPr lang="en-US"/>
           </a:p>
         </p:txBody>
       </p:sp>
@@ -313,7 +328,7 @@
             <a:fld id="{1D8BD707-D9CF-40AE-B4C6-C98DA3205C09}" type="datetimeFigureOut">
               <a:rPr lang="en-US" smtClean="0"/>
               <a:pPr/>
-              <a:t>8/1/2011</a:t>
+              <a:t>6/14/24</a:t>
             </a:fld>
             <a:endParaRPr lang="en-US"/>
           </a:p>
@@ -356,7 +371,7 @@
             <a:fld id="{B6F15528-21DE-4FAA-801E-634DDDAF4B2B}" type="slidenum">
               <a:rPr lang="en-US" smtClean="0"/>
               <a:pPr/>
-              <a:t>‹#›</a:t>
+              <a:t>‹N›</a:t>
             </a:fld>
             <a:endParaRPr lang="en-US"/>
           </a:p>
@@ -403,10 +418,9 @@
           <a:lstStyle/>
           <a:p>
             <a:r>
-              <a:rPr lang="en-US" smtClean="0"/>
+              <a:rPr lang="en-US"/>
               <a:t>Click to edit Master title style</a:t>
             </a:r>
-            <a:endParaRPr lang="en-US"/>
           </a:p>
         </p:txBody>
       </p:sp>
@@ -427,38 +441,37 @@
           <a:p>
             <a:pPr lvl="0"/>
             <a:r>
-              <a:rPr lang="en-US" smtClean="0"/>
+              <a:rPr lang="en-US"/>
               <a:t>Click to edit Master text styles</a:t>
             </a:r>
           </a:p>
           <a:p>
             <a:pPr lvl="1"/>
             <a:r>
-              <a:rPr lang="en-US" smtClean="0"/>
+              <a:rPr lang="en-US"/>
               <a:t>Second level</a:t>
             </a:r>
           </a:p>
           <a:p>
             <a:pPr lvl="2"/>
             <a:r>
-              <a:rPr lang="en-US" smtClean="0"/>
+              <a:rPr lang="en-US"/>
               <a:t>Third level</a:t>
             </a:r>
           </a:p>
           <a:p>
             <a:pPr lvl="3"/>
             <a:r>
-              <a:rPr lang="en-US" smtClean="0"/>
+              <a:rPr lang="en-US"/>
               <a:t>Fourth level</a:t>
             </a:r>
           </a:p>
           <a:p>
             <a:pPr lvl="4"/>
             <a:r>
-              <a:rPr lang="en-US" smtClean="0"/>
+              <a:rPr lang="en-US"/>
               <a:t>Fifth level</a:t>
             </a:r>
-            <a:endParaRPr lang="en-US"/>
           </a:p>
         </p:txBody>
       </p:sp>
@@ -480,7 +493,7 @@
             <a:fld id="{1D8BD707-D9CF-40AE-B4C6-C98DA3205C09}" type="datetimeFigureOut">
               <a:rPr lang="en-US" smtClean="0"/>
               <a:pPr/>
-              <a:t>8/1/2011</a:t>
+              <a:t>6/14/24</a:t>
             </a:fld>
             <a:endParaRPr lang="en-US"/>
           </a:p>
@@ -523,7 +536,7 @@
             <a:fld id="{B6F15528-21DE-4FAA-801E-634DDDAF4B2B}" type="slidenum">
               <a:rPr lang="en-US" smtClean="0"/>
               <a:pPr/>
-              <a:t>‹#›</a:t>
+              <a:t>‹N›</a:t>
             </a:fld>
             <a:endParaRPr lang="en-US"/>
           </a:p>
@@ -575,10 +588,9 @@
           <a:lstStyle/>
           <a:p>
             <a:r>
-              <a:rPr lang="en-US" smtClean="0"/>
+              <a:rPr lang="en-US"/>
               <a:t>Click to edit Master title style</a:t>
             </a:r>
-            <a:endParaRPr lang="en-US"/>
           </a:p>
         </p:txBody>
       </p:sp>
@@ -604,38 +616,37 @@
           <a:p>
             <a:pPr lvl="0"/>
             <a:r>
-              <a:rPr lang="en-US" smtClean="0"/>
+              <a:rPr lang="en-US"/>
               <a:t>Click to edit Master text styles</a:t>
             </a:r>
           </a:p>
           <a:p>
             <a:pPr lvl="1"/>
             <a:r>
-              <a:rPr lang="en-US" smtClean="0"/>
+              <a:rPr lang="en-US"/>
               <a:t>Second level</a:t>
             </a:r>
           </a:p>
           <a:p>
             <a:pPr lvl="2"/>
             <a:r>
-              <a:rPr lang="en-US" smtClean="0"/>
+              <a:rPr lang="en-US"/>
               <a:t>Third level</a:t>
             </a:r>
           </a:p>
           <a:p>
             <a:pPr lvl="3"/>
             <a:r>
-              <a:rPr lang="en-US" smtClean="0"/>
+              <a:rPr lang="en-US"/>
               <a:t>Fourth level</a:t>
             </a:r>
           </a:p>
           <a:p>
             <a:pPr lvl="4"/>
             <a:r>
-              <a:rPr lang="en-US" smtClean="0"/>
+              <a:rPr lang="en-US"/>
               <a:t>Fifth level</a:t>
             </a:r>
-            <a:endParaRPr lang="en-US"/>
           </a:p>
         </p:txBody>
       </p:sp>
@@ -657,7 +668,7 @@
             <a:fld id="{1D8BD707-D9CF-40AE-B4C6-C98DA3205C09}" type="datetimeFigureOut">
               <a:rPr lang="en-US" smtClean="0"/>
               <a:pPr/>
-              <a:t>8/1/2011</a:t>
+              <a:t>6/14/24</a:t>
             </a:fld>
             <a:endParaRPr lang="en-US"/>
           </a:p>
@@ -700,7 +711,7 @@
             <a:fld id="{B6F15528-21DE-4FAA-801E-634DDDAF4B2B}" type="slidenum">
               <a:rPr lang="en-US" smtClean="0"/>
               <a:pPr/>
-              <a:t>‹#›</a:t>
+              <a:t>‹N›</a:t>
             </a:fld>
             <a:endParaRPr lang="en-US"/>
           </a:p>
@@ -747,10 +758,9 @@
           <a:lstStyle/>
           <a:p>
             <a:r>
-              <a:rPr lang="en-US" smtClean="0"/>
+              <a:rPr lang="en-US"/>
               <a:t>Click to edit Master title style</a:t>
             </a:r>
-            <a:endParaRPr lang="en-US"/>
           </a:p>
         </p:txBody>
       </p:sp>
@@ -771,38 +781,37 @@
           <a:p>
             <a:pPr lvl="0"/>
             <a:r>
-              <a:rPr lang="en-US" smtClean="0"/>
+              <a:rPr lang="en-US"/>
               <a:t>Click to edit Master text styles</a:t>
             </a:r>
           </a:p>
           <a:p>
             <a:pPr lvl="1"/>
             <a:r>
-              <a:rPr lang="en-US" smtClean="0"/>
+              <a:rPr lang="en-US"/>
               <a:t>Second level</a:t>
             </a:r>
           </a:p>
           <a:p>
             <a:pPr lvl="2"/>
             <a:r>
-              <a:rPr lang="en-US" smtClean="0"/>
+              <a:rPr lang="en-US"/>
               <a:t>Third level</a:t>
             </a:r>
           </a:p>
           <a:p>
             <a:pPr lvl="3"/>
             <a:r>
-              <a:rPr lang="en-US" smtClean="0"/>
+              <a:rPr lang="en-US"/>
               <a:t>Fourth level</a:t>
             </a:r>
           </a:p>
           <a:p>
             <a:pPr lvl="4"/>
             <a:r>
-              <a:rPr lang="en-US" smtClean="0"/>
+              <a:rPr lang="en-US"/>
               <a:t>Fifth level</a:t>
             </a:r>
-            <a:endParaRPr lang="en-US"/>
           </a:p>
         </p:txBody>
       </p:sp>
@@ -824,7 +833,7 @@
             <a:fld id="{1D8BD707-D9CF-40AE-B4C6-C98DA3205C09}" type="datetimeFigureOut">
               <a:rPr lang="en-US" smtClean="0"/>
               <a:pPr/>
-              <a:t>8/1/2011</a:t>
+              <a:t>6/14/24</a:t>
             </a:fld>
             <a:endParaRPr lang="en-US"/>
           </a:p>
@@ -867,7 +876,7 @@
             <a:fld id="{B6F15528-21DE-4FAA-801E-634DDDAF4B2B}" type="slidenum">
               <a:rPr lang="en-US" smtClean="0"/>
               <a:pPr/>
-              <a:t>‹#›</a:t>
+              <a:t>‹N›</a:t>
             </a:fld>
             <a:endParaRPr lang="en-US"/>
           </a:p>
@@ -923,10 +932,9 @@
           </a:lstStyle>
           <a:p>
             <a:r>
-              <a:rPr lang="en-US" smtClean="0"/>
+              <a:rPr lang="en-US"/>
               <a:t>Click to edit Master title style</a:t>
             </a:r>
-            <a:endParaRPr lang="en-US"/>
           </a:p>
         </p:txBody>
       </p:sp>
@@ -1043,7 +1051,7 @@
           <a:p>
             <a:pPr lvl="0"/>
             <a:r>
-              <a:rPr lang="en-US" smtClean="0"/>
+              <a:rPr lang="en-US"/>
               <a:t>Click to edit Master text styles</a:t>
             </a:r>
           </a:p>
@@ -1067,7 +1075,7 @@
             <a:fld id="{1D8BD707-D9CF-40AE-B4C6-C98DA3205C09}" type="datetimeFigureOut">
               <a:rPr lang="en-US" smtClean="0"/>
               <a:pPr/>
-              <a:t>8/1/2011</a:t>
+              <a:t>6/14/24</a:t>
             </a:fld>
             <a:endParaRPr lang="en-US"/>
           </a:p>
@@ -1110,7 +1118,7 @@
             <a:fld id="{B6F15528-21DE-4FAA-801E-634DDDAF4B2B}" type="slidenum">
               <a:rPr lang="en-US" smtClean="0"/>
               <a:pPr/>
-              <a:t>‹#›</a:t>
+              <a:t>‹N›</a:t>
             </a:fld>
             <a:endParaRPr lang="en-US"/>
           </a:p>
@@ -1157,10 +1165,9 @@
           <a:lstStyle/>
           <a:p>
             <a:r>
-              <a:rPr lang="en-US" smtClean="0"/>
+              <a:rPr lang="en-US"/>
               <a:t>Click to edit Master title style</a:t>
             </a:r>
-            <a:endParaRPr lang="en-US"/>
           </a:p>
         </p:txBody>
       </p:sp>
@@ -1214,38 +1221,37 @@
           <a:p>
             <a:pPr lvl="0"/>
             <a:r>
-              <a:rPr lang="en-US" smtClean="0"/>
+              <a:rPr lang="en-US"/>
               <a:t>Click to edit Master text styles</a:t>
             </a:r>
           </a:p>
           <a:p>
             <a:pPr lvl="1"/>
             <a:r>
-              <a:rPr lang="en-US" smtClean="0"/>
+              <a:rPr lang="en-US"/>
               <a:t>Second level</a:t>
             </a:r>
           </a:p>
           <a:p>
             <a:pPr lvl="2"/>
             <a:r>
-              <a:rPr lang="en-US" smtClean="0"/>
+              <a:rPr lang="en-US"/>
               <a:t>Third level</a:t>
             </a:r>
           </a:p>
           <a:p>
             <a:pPr lvl="3"/>
             <a:r>
-              <a:rPr lang="en-US" smtClean="0"/>
+              <a:rPr lang="en-US"/>
               <a:t>Fourth level</a:t>
             </a:r>
           </a:p>
           <a:p>
             <a:pPr lvl="4"/>
             <a:r>
-              <a:rPr lang="en-US" smtClean="0"/>
+              <a:rPr lang="en-US"/>
               <a:t>Fifth level</a:t>
             </a:r>
-            <a:endParaRPr lang="en-US"/>
           </a:p>
         </p:txBody>
       </p:sp>
@@ -1299,38 +1305,37 @@
           <a:p>
             <a:pPr lvl="0"/>
             <a:r>
-              <a:rPr lang="en-US" smtClean="0"/>
+              <a:rPr lang="en-US"/>
               <a:t>Click to edit Master text styles</a:t>
             </a:r>
           </a:p>
           <a:p>
             <a:pPr lvl="1"/>
             <a:r>
-              <a:rPr lang="en-US" smtClean="0"/>
+              <a:rPr lang="en-US"/>
               <a:t>Second level</a:t>
             </a:r>
           </a:p>
           <a:p>
             <a:pPr lvl="2"/>
             <a:r>
-              <a:rPr lang="en-US" smtClean="0"/>
+              <a:rPr lang="en-US"/>
               <a:t>Third level</a:t>
             </a:r>
           </a:p>
           <a:p>
             <a:pPr lvl="3"/>
             <a:r>
-              <a:rPr lang="en-US" smtClean="0"/>
+              <a:rPr lang="en-US"/>
               <a:t>Fourth level</a:t>
             </a:r>
           </a:p>
           <a:p>
             <a:pPr lvl="4"/>
             <a:r>
-              <a:rPr lang="en-US" smtClean="0"/>
+              <a:rPr lang="en-US"/>
               <a:t>Fifth level</a:t>
             </a:r>
-            <a:endParaRPr lang="en-US"/>
           </a:p>
         </p:txBody>
       </p:sp>
@@ -1352,7 +1357,7 @@
             <a:fld id="{1D8BD707-D9CF-40AE-B4C6-C98DA3205C09}" type="datetimeFigureOut">
               <a:rPr lang="en-US" smtClean="0"/>
               <a:pPr/>
-              <a:t>8/1/2011</a:t>
+              <a:t>6/14/24</a:t>
             </a:fld>
             <a:endParaRPr lang="en-US"/>
           </a:p>
@@ -1395,7 +1400,7 @@
             <a:fld id="{B6F15528-21DE-4FAA-801E-634DDDAF4B2B}" type="slidenum">
               <a:rPr lang="en-US" smtClean="0"/>
               <a:pPr/>
-              <a:t>‹#›</a:t>
+              <a:t>‹N›</a:t>
             </a:fld>
             <a:endParaRPr lang="en-US"/>
           </a:p>
@@ -1446,10 +1451,9 @@
           </a:lstStyle>
           <a:p>
             <a:r>
-              <a:rPr lang="en-US" smtClean="0"/>
+              <a:rPr lang="en-US"/>
               <a:t>Click to edit Master title style</a:t>
             </a:r>
-            <a:endParaRPr lang="en-US"/>
           </a:p>
         </p:txBody>
       </p:sp>
@@ -1512,7 +1516,7 @@
           <a:p>
             <a:pPr lvl="0"/>
             <a:r>
-              <a:rPr lang="en-US" smtClean="0"/>
+              <a:rPr lang="en-US"/>
               <a:t>Click to edit Master text styles</a:t>
             </a:r>
           </a:p>
@@ -1568,38 +1572,37 @@
           <a:p>
             <a:pPr lvl="0"/>
             <a:r>
-              <a:rPr lang="en-US" smtClean="0"/>
+              <a:rPr lang="en-US"/>
               <a:t>Click to edit Master text styles</a:t>
             </a:r>
           </a:p>
           <a:p>
             <a:pPr lvl="1"/>
             <a:r>
-              <a:rPr lang="en-US" smtClean="0"/>
+              <a:rPr lang="en-US"/>
               <a:t>Second level</a:t>
             </a:r>
           </a:p>
           <a:p>
             <a:pPr lvl="2"/>
             <a:r>
-              <a:rPr lang="en-US" smtClean="0"/>
+              <a:rPr lang="en-US"/>
               <a:t>Third level</a:t>
             </a:r>
           </a:p>
           <a:p>
             <a:pPr lvl="3"/>
             <a:r>
-              <a:rPr lang="en-US" smtClean="0"/>
+              <a:rPr lang="en-US"/>
               <a:t>Fourth level</a:t>
             </a:r>
           </a:p>
           <a:p>
             <a:pPr lvl="4"/>
             <a:r>
-              <a:rPr lang="en-US" smtClean="0"/>
+              <a:rPr lang="en-US"/>
               <a:t>Fifth level</a:t>
             </a:r>
-            <a:endParaRPr lang="en-US"/>
           </a:p>
         </p:txBody>
       </p:sp>
@@ -1662,7 +1665,7 @@
           <a:p>
             <a:pPr lvl="0"/>
             <a:r>
-              <a:rPr lang="en-US" smtClean="0"/>
+              <a:rPr lang="en-US"/>
               <a:t>Click to edit Master text styles</a:t>
             </a:r>
           </a:p>
@@ -1718,38 +1721,37 @@
           <a:p>
             <a:pPr lvl="0"/>
             <a:r>
-              <a:rPr lang="en-US" smtClean="0"/>
+              <a:rPr lang="en-US"/>
               <a:t>Click to edit Master text styles</a:t>
             </a:r>
           </a:p>
           <a:p>
             <a:pPr lvl="1"/>
             <a:r>
-              <a:rPr lang="en-US" smtClean="0"/>
+              <a:rPr lang="en-US"/>
               <a:t>Second level</a:t>
             </a:r>
           </a:p>
           <a:p>
             <a:pPr lvl="2"/>
             <a:r>
-              <a:rPr lang="en-US" smtClean="0"/>
+              <a:rPr lang="en-US"/>
               <a:t>Third level</a:t>
             </a:r>
           </a:p>
           <a:p>
             <a:pPr lvl="3"/>
             <a:r>
-              <a:rPr lang="en-US" smtClean="0"/>
+              <a:rPr lang="en-US"/>
               <a:t>Fourth level</a:t>
             </a:r>
           </a:p>
           <a:p>
             <a:pPr lvl="4"/>
             <a:r>
-              <a:rPr lang="en-US" smtClean="0"/>
+              <a:rPr lang="en-US"/>
               <a:t>Fifth level</a:t>
             </a:r>
-            <a:endParaRPr lang="en-US"/>
           </a:p>
         </p:txBody>
       </p:sp>
@@ -1771,7 +1773,7 @@
             <a:fld id="{1D8BD707-D9CF-40AE-B4C6-C98DA3205C09}" type="datetimeFigureOut">
               <a:rPr lang="en-US" smtClean="0"/>
               <a:pPr/>
-              <a:t>8/1/2011</a:t>
+              <a:t>6/14/24</a:t>
             </a:fld>
             <a:endParaRPr lang="en-US"/>
           </a:p>
@@ -1814,7 +1816,7 @@
             <a:fld id="{B6F15528-21DE-4FAA-801E-634DDDAF4B2B}" type="slidenum">
               <a:rPr lang="en-US" smtClean="0"/>
               <a:pPr/>
-              <a:t>‹#›</a:t>
+              <a:t>‹N›</a:t>
             </a:fld>
             <a:endParaRPr lang="en-US"/>
           </a:p>
@@ -1861,10 +1863,9 @@
           <a:lstStyle/>
           <a:p>
             <a:r>
-              <a:rPr lang="en-US" smtClean="0"/>
+              <a:rPr lang="en-US"/>
               <a:t>Click to edit Master title style</a:t>
             </a:r>
-            <a:endParaRPr lang="en-US"/>
           </a:p>
         </p:txBody>
       </p:sp>
@@ -1886,7 +1887,7 @@
             <a:fld id="{1D8BD707-D9CF-40AE-B4C6-C98DA3205C09}" type="datetimeFigureOut">
               <a:rPr lang="en-US" smtClean="0"/>
               <a:pPr/>
-              <a:t>8/1/2011</a:t>
+              <a:t>6/14/24</a:t>
             </a:fld>
             <a:endParaRPr lang="en-US"/>
           </a:p>
@@ -1929,7 +1930,7 @@
             <a:fld id="{B6F15528-21DE-4FAA-801E-634DDDAF4B2B}" type="slidenum">
               <a:rPr lang="en-US" smtClean="0"/>
               <a:pPr/>
-              <a:t>‹#›</a:t>
+              <a:t>‹N›</a:t>
             </a:fld>
             <a:endParaRPr lang="en-US"/>
           </a:p>
@@ -1978,7 +1979,7 @@
             <a:fld id="{1D8BD707-D9CF-40AE-B4C6-C98DA3205C09}" type="datetimeFigureOut">
               <a:rPr lang="en-US" smtClean="0"/>
               <a:pPr/>
-              <a:t>8/1/2011</a:t>
+              <a:t>6/14/24</a:t>
             </a:fld>
             <a:endParaRPr lang="en-US"/>
           </a:p>
@@ -2021,7 +2022,7 @@
             <a:fld id="{B6F15528-21DE-4FAA-801E-634DDDAF4B2B}" type="slidenum">
               <a:rPr lang="en-US" smtClean="0"/>
               <a:pPr/>
-              <a:t>‹#›</a:t>
+              <a:t>‹N›</a:t>
             </a:fld>
             <a:endParaRPr lang="en-US"/>
           </a:p>
@@ -2077,10 +2078,9 @@
           </a:lstStyle>
           <a:p>
             <a:r>
-              <a:rPr lang="en-US" smtClean="0"/>
+              <a:rPr lang="en-US"/>
               <a:t>Click to edit Master title style</a:t>
             </a:r>
-            <a:endParaRPr lang="en-US"/>
           </a:p>
         </p:txBody>
       </p:sp>
@@ -2134,38 +2134,37 @@
           <a:p>
             <a:pPr lvl="0"/>
             <a:r>
-              <a:rPr lang="en-US" smtClean="0"/>
+              <a:rPr lang="en-US"/>
               <a:t>Click to edit Master text styles</a:t>
             </a:r>
           </a:p>
           <a:p>
             <a:pPr lvl="1"/>
             <a:r>
-              <a:rPr lang="en-US" smtClean="0"/>
+              <a:rPr lang="en-US"/>
               <a:t>Second level</a:t>
             </a:r>
           </a:p>
           <a:p>
             <a:pPr lvl="2"/>
             <a:r>
-              <a:rPr lang="en-US" smtClean="0"/>
+              <a:rPr lang="en-US"/>
               <a:t>Third level</a:t>
             </a:r>
           </a:p>
           <a:p>
             <a:pPr lvl="3"/>
             <a:r>
-              <a:rPr lang="en-US" smtClean="0"/>
+              <a:rPr lang="en-US"/>
               <a:t>Fourth level</a:t>
             </a:r>
           </a:p>
           <a:p>
             <a:pPr lvl="4"/>
             <a:r>
-              <a:rPr lang="en-US" smtClean="0"/>
+              <a:rPr lang="en-US"/>
               <a:t>Fifth level</a:t>
             </a:r>
-            <a:endParaRPr lang="en-US"/>
           </a:p>
         </p:txBody>
       </p:sp>
@@ -2228,7 +2227,7 @@
           <a:p>
             <a:pPr lvl="0"/>
             <a:r>
-              <a:rPr lang="en-US" smtClean="0"/>
+              <a:rPr lang="en-US"/>
               <a:t>Click to edit Master text styles</a:t>
             </a:r>
           </a:p>
@@ -2252,7 +2251,7 @@
             <a:fld id="{1D8BD707-D9CF-40AE-B4C6-C98DA3205C09}" type="datetimeFigureOut">
               <a:rPr lang="en-US" smtClean="0"/>
               <a:pPr/>
-              <a:t>8/1/2011</a:t>
+              <a:t>6/14/24</a:t>
             </a:fld>
             <a:endParaRPr lang="en-US"/>
           </a:p>
@@ -2295,7 +2294,7 @@
             <a:fld id="{B6F15528-21DE-4FAA-801E-634DDDAF4B2B}" type="slidenum">
               <a:rPr lang="en-US" smtClean="0"/>
               <a:pPr/>
-              <a:t>‹#›</a:t>
+              <a:t>‹N›</a:t>
             </a:fld>
             <a:endParaRPr lang="en-US"/>
           </a:p>
@@ -2351,10 +2350,9 @@
           </a:lstStyle>
           <a:p>
             <a:r>
-              <a:rPr lang="en-US" smtClean="0"/>
+              <a:rPr lang="en-US"/>
               <a:t>Click to edit Master title style</a:t>
             </a:r>
-            <a:endParaRPr lang="en-US"/>
           </a:p>
         </p:txBody>
       </p:sp>
@@ -2478,7 +2476,7 @@
           <a:p>
             <a:pPr lvl="0"/>
             <a:r>
-              <a:rPr lang="en-US" smtClean="0"/>
+              <a:rPr lang="en-US"/>
               <a:t>Click to edit Master text styles</a:t>
             </a:r>
           </a:p>
@@ -2502,7 +2500,7 @@
             <a:fld id="{1D8BD707-D9CF-40AE-B4C6-C98DA3205C09}" type="datetimeFigureOut">
               <a:rPr lang="en-US" smtClean="0"/>
               <a:pPr/>
-              <a:t>8/1/2011</a:t>
+              <a:t>6/14/24</a:t>
             </a:fld>
             <a:endParaRPr lang="en-US"/>
           </a:p>
@@ -2545,7 +2543,7 @@
             <a:fld id="{B6F15528-21DE-4FAA-801E-634DDDAF4B2B}" type="slidenum">
               <a:rPr lang="en-US" smtClean="0"/>
               <a:pPr/>
-              <a:t>‹#›</a:t>
+              <a:t>‹N›</a:t>
             </a:fld>
             <a:endParaRPr lang="en-US"/>
           </a:p>
@@ -2607,10 +2605,9 @@
           <a:lstStyle/>
           <a:p>
             <a:r>
-              <a:rPr lang="en-US" smtClean="0"/>
+              <a:rPr lang="en-US"/>
               <a:t>Click to edit Master title style</a:t>
             </a:r>
-            <a:endParaRPr lang="en-US"/>
           </a:p>
         </p:txBody>
       </p:sp>
@@ -2641,38 +2638,37 @@
           <a:p>
             <a:pPr lvl="0"/>
             <a:r>
-              <a:rPr lang="en-US" smtClean="0"/>
+              <a:rPr lang="en-US"/>
               <a:t>Click to edit Master text styles</a:t>
             </a:r>
           </a:p>
           <a:p>
             <a:pPr lvl="1"/>
             <a:r>
-              <a:rPr lang="en-US" smtClean="0"/>
+              <a:rPr lang="en-US"/>
               <a:t>Second level</a:t>
             </a:r>
           </a:p>
           <a:p>
             <a:pPr lvl="2"/>
             <a:r>
-              <a:rPr lang="en-US" smtClean="0"/>
+              <a:rPr lang="en-US"/>
               <a:t>Third level</a:t>
             </a:r>
           </a:p>
           <a:p>
             <a:pPr lvl="3"/>
             <a:r>
-              <a:rPr lang="en-US" smtClean="0"/>
+              <a:rPr lang="en-US"/>
               <a:t>Fourth level</a:t>
             </a:r>
           </a:p>
           <a:p>
             <a:pPr lvl="4"/>
             <a:r>
-              <a:rPr lang="en-US" smtClean="0"/>
+              <a:rPr lang="en-US"/>
               <a:t>Fifth level</a:t>
             </a:r>
-            <a:endParaRPr lang="en-US"/>
           </a:p>
         </p:txBody>
       </p:sp>
@@ -2712,7 +2708,7 @@
             <a:fld id="{1D8BD707-D9CF-40AE-B4C6-C98DA3205C09}" type="datetimeFigureOut">
               <a:rPr lang="en-US" smtClean="0"/>
               <a:pPr/>
-              <a:t>8/1/2011</a:t>
+              <a:t>6/14/24</a:t>
             </a:fld>
             <a:endParaRPr lang="en-US"/>
           </a:p>
@@ -2791,7 +2787,7 @@
             <a:fld id="{B6F15528-21DE-4FAA-801E-634DDDAF4B2B}" type="slidenum">
               <a:rPr lang="en-US" smtClean="0"/>
               <a:pPr/>
-              <a:t>‹#›</a:t>
+              <a:t>‹N›</a:t>
             </a:fld>
             <a:endParaRPr lang="en-US"/>
           </a:p>
@@ -3067,13 +3063,14 @@
 </file>
 
 <file path=ppt/slides/slide1.xml><?xml version="1.0" encoding="utf-8"?>
-<p:sld xmlns:p="http://schemas.openxmlformats.org/presentationml/2006/main" xmlns:a="http://schemas.openxmlformats.org/drawingml/2006/main" xmlns:r="http://schemas.openxmlformats.org/officeDocument/2006/relationships">
+<p:sld xmlns:a="http://schemas.openxmlformats.org/drawingml/2006/main" xmlns:r="http://schemas.openxmlformats.org/officeDocument/2006/relationships" xmlns:p="http://schemas.openxmlformats.org/presentationml/2006/main">
   <p:cSld>
     <p:bg>
       <p:bgPr>
         <a:solidFill>
           <a:srgbClr val="F4F4F4"/>
         </a:solidFill>
+        <a:effectLst/>
       </p:bgPr>
     </p:bg>
     <p:spTree>
@@ -3092,12 +3089,12 @@
       </p:grpSpPr>
       <p:grpSp>
         <p:nvGrpSpPr>
-          <p:cNvPr name="Group 2" id="2"/>
+          <p:cNvPr id="2" name="Group 2"/>
           <p:cNvGrpSpPr/>
           <p:nvPr/>
         </p:nvGrpSpPr>
         <p:grpSpPr>
-          <a:xfrm rot="0">
+          <a:xfrm>
             <a:off x="8417165" y="8106683"/>
             <a:ext cx="1453670" cy="428324"/>
             <a:chOff x="0" y="0"/>
@@ -3106,12 +3103,12 @@
         </p:grpSpPr>
         <p:sp>
           <p:nvSpPr>
-            <p:cNvPr name="Freeform 3" id="3"/>
+            <p:cNvPr id="3" name="Freeform 3"/>
             <p:cNvSpPr/>
             <p:nvPr/>
           </p:nvSpPr>
           <p:spPr>
-            <a:xfrm flipH="false" flipV="false" rot="0">
+            <a:xfrm>
               <a:off x="0" y="0"/>
               <a:ext cx="952367" cy="280615"/>
             </a:xfrm>
@@ -3120,9 +3117,9 @@
               <a:gdLst/>
               <a:ahLst/>
               <a:cxnLst/>
-              <a:rect r="r" b="b" t="t" l="l"/>
+              <a:rect l="l" t="t" r="r" b="b"/>
               <a:pathLst>
-                <a:path h="280615" w="952367">
+                <a:path w="952367" h="280615">
                   <a:moveTo>
                     <a:pt x="140308" y="0"/>
                   </a:moveTo>
@@ -3180,11 +3177,18 @@
               <a:round/>
             </a:ln>
           </p:spPr>
+          <p:txBody>
+            <a:bodyPr/>
+            <a:lstStyle/>
+            <a:p>
+              <a:endParaRPr lang="it-IT"/>
+            </a:p>
+          </p:txBody>
         </p:sp>
         <p:sp>
           <p:nvSpPr>
-            <p:cNvPr name="TextBox 4" id="4"/>
-            <p:cNvSpPr txBox="true"/>
+            <p:cNvPr id="4" name="TextBox 4"/>
+            <p:cNvSpPr txBox="1"/>
             <p:nvPr/>
           </p:nvSpPr>
           <p:spPr>
@@ -3197,7 +3201,7 @@
             </a:prstGeom>
           </p:spPr>
           <p:txBody>
-            <a:bodyPr anchor="ctr" rtlCol="false" tIns="40640" lIns="40640" bIns="40640" rIns="40640"/>
+            <a:bodyPr lIns="40640" tIns="40640" rIns="40640" bIns="40640" rtlCol="0" anchor="ctr"/>
             <a:lstStyle/>
             <a:p>
               <a:pPr algn="ctr">
@@ -3205,13 +3209,14 @@
                   <a:spcPts val="2127"/>
                 </a:lnSpc>
               </a:pPr>
+              <a:endParaRPr/>
             </a:p>
           </p:txBody>
         </p:sp>
       </p:grpSp>
       <p:sp>
         <p:nvSpPr>
-          <p:cNvPr name="AutoShape 5" id="5"/>
+          <p:cNvPr id="5" name="AutoShape 5"/>
           <p:cNvSpPr/>
           <p:nvPr/>
         </p:nvSpPr>
@@ -3223,26 +3228,33 @@
           <a:prstGeom prst="line">
             <a:avLst/>
           </a:prstGeom>
-          <a:ln cap="flat" w="19050">
+          <a:ln w="19050" cap="flat">
             <a:solidFill>
               <a:srgbClr val="000000">
                 <a:alpha val="70980"/>
               </a:srgbClr>
             </a:solidFill>
             <a:prstDash val="solid"/>
-            <a:headEnd type="none" len="sm" w="sm"/>
-            <a:tailEnd type="arrow" len="sm" w="med"/>
+            <a:headEnd type="none" w="sm" len="sm"/>
+            <a:tailEnd type="arrow" w="med" len="sm"/>
           </a:ln>
         </p:spPr>
-      </p:sp>
-      <p:sp>
-        <p:nvSpPr>
-          <p:cNvPr name="Freeform 6" id="6"/>
+        <p:txBody>
+          <a:bodyPr/>
+          <a:lstStyle/>
+          <a:p>
+            <a:endParaRPr lang="it-IT"/>
+          </a:p>
+        </p:txBody>
+      </p:sp>
+      <p:sp>
+        <p:nvSpPr>
+          <p:cNvPr id="6" name="Freeform 6"/>
           <p:cNvSpPr/>
           <p:nvPr/>
         </p:nvSpPr>
         <p:spPr>
-          <a:xfrm flipH="false" flipV="false" rot="0">
+          <a:xfrm>
             <a:off x="1028700" y="6194062"/>
             <a:ext cx="2278679" cy="3064238"/>
           </a:xfrm>
@@ -3251,9 +3263,9 @@
             <a:gdLst/>
             <a:ahLst/>
             <a:cxnLst/>
-            <a:rect r="r" b="b" t="t" l="l"/>
+            <a:rect l="l" t="t" r="r" b="b"/>
             <a:pathLst>
-              <a:path h="3064238" w="2278679">
+              <a:path w="2278679" h="3064238">
                 <a:moveTo>
                   <a:pt x="0" y="0"/>
                 </a:moveTo>
@@ -3282,19 +3294,26 @@
               </a:extLst>
             </a:blip>
             <a:stretch>
-              <a:fillRect l="0" t="0" r="0" b="0"/>
+              <a:fillRect/>
             </a:stretch>
           </a:blipFill>
         </p:spPr>
-      </p:sp>
-      <p:sp>
-        <p:nvSpPr>
-          <p:cNvPr name="Freeform 7" id="7"/>
+        <p:txBody>
+          <a:bodyPr/>
+          <a:lstStyle/>
+          <a:p>
+            <a:endParaRPr lang="it-IT"/>
+          </a:p>
+        </p:txBody>
+      </p:sp>
+      <p:sp>
+        <p:nvSpPr>
+          <p:cNvPr id="7" name="Freeform 7"/>
           <p:cNvSpPr/>
           <p:nvPr/>
         </p:nvSpPr>
         <p:spPr>
-          <a:xfrm flipH="false" flipV="false" rot="0">
+          <a:xfrm>
             <a:off x="14785624" y="6194062"/>
             <a:ext cx="2473676" cy="3064238"/>
           </a:xfrm>
@@ -3303,9 +3322,9 @@
             <a:gdLst/>
             <a:ahLst/>
             <a:cxnLst/>
-            <a:rect r="r" b="b" t="t" l="l"/>
+            <a:rect l="l" t="t" r="r" b="b"/>
             <a:pathLst>
-              <a:path h="3064238" w="2473676">
+              <a:path w="2473676" h="3064238">
                 <a:moveTo>
                   <a:pt x="0" y="0"/>
                 </a:moveTo>
@@ -3334,19 +3353,26 @@
               </a:extLst>
             </a:blip>
             <a:stretch>
-              <a:fillRect l="0" t="0" r="0" b="0"/>
+              <a:fillRect/>
             </a:stretch>
           </a:blipFill>
         </p:spPr>
-      </p:sp>
-      <p:sp>
-        <p:nvSpPr>
-          <p:cNvPr name="Freeform 8" id="8"/>
+        <p:txBody>
+          <a:bodyPr/>
+          <a:lstStyle/>
+          <a:p>
+            <a:endParaRPr lang="it-IT"/>
+          </a:p>
+        </p:txBody>
+      </p:sp>
+      <p:sp>
+        <p:nvSpPr>
+          <p:cNvPr id="8" name="Freeform 8"/>
           <p:cNvSpPr/>
           <p:nvPr/>
         </p:nvSpPr>
         <p:spPr>
-          <a:xfrm flipH="false" flipV="false" rot="0">
+          <a:xfrm>
             <a:off x="48209" y="-78992"/>
             <a:ext cx="4566491" cy="2739895"/>
           </a:xfrm>
@@ -3355,9 +3381,9 @@
             <a:gdLst/>
             <a:ahLst/>
             <a:cxnLst/>
-            <a:rect r="r" b="b" t="t" l="l"/>
+            <a:rect l="l" t="t" r="r" b="b"/>
             <a:pathLst>
-              <a:path h="2739895" w="4566491">
+              <a:path w="4566491" h="2739895">
                 <a:moveTo>
                   <a:pt x="0" y="0"/>
                 </a:moveTo>
@@ -3380,19 +3406,26 @@
           <a:blipFill>
             <a:blip r:embed="rId6"/>
             <a:stretch>
-              <a:fillRect l="0" t="0" r="0" b="0"/>
+              <a:fillRect/>
             </a:stretch>
           </a:blipFill>
         </p:spPr>
-      </p:sp>
-      <p:sp>
-        <p:nvSpPr>
-          <p:cNvPr name="TextBox 9" id="9"/>
-          <p:cNvSpPr txBox="true"/>
-          <p:nvPr/>
-        </p:nvSpPr>
-        <p:spPr>
-          <a:xfrm rot="0">
+        <p:txBody>
+          <a:bodyPr/>
+          <a:lstStyle/>
+          <a:p>
+            <a:endParaRPr lang="it-IT"/>
+          </a:p>
+        </p:txBody>
+      </p:sp>
+      <p:sp>
+        <p:nvSpPr>
+          <p:cNvPr id="9" name="TextBox 9"/>
+          <p:cNvSpPr txBox="1"/>
+          <p:nvPr/>
+        </p:nvSpPr>
+        <p:spPr>
+          <a:xfrm>
             <a:off x="1028700" y="2012225"/>
             <a:ext cx="16230600" cy="3281776"/>
           </a:xfrm>
@@ -3401,7 +3434,7 @@
           </a:prstGeom>
         </p:spPr>
         <p:txBody>
-          <a:bodyPr anchor="t" rtlCol="false" tIns="0" lIns="0" bIns="0" rIns="0">
+          <a:bodyPr lIns="0" tIns="0" rIns="0" bIns="0" rtlCol="0" anchor="t">
             <a:spAutoFit/>
           </a:bodyPr>
           <a:lstStyle/>
@@ -3411,6 +3444,7 @@
                 <a:spcPts val="7064"/>
               </a:lnSpc>
             </a:pPr>
+            <a:endParaRPr/>
           </a:p>
           <a:p>
             <a:pPr algn="ctr">
@@ -3450,17 +3484,23 @@
                 <a:spcPts val="7064"/>
               </a:lnSpc>
             </a:pPr>
-          </a:p>
-        </p:txBody>
-      </p:sp>
-      <p:sp>
-        <p:nvSpPr>
-          <p:cNvPr name="TextBox 10" id="10"/>
-          <p:cNvSpPr txBox="true"/>
-          <p:nvPr/>
-        </p:nvSpPr>
-        <p:spPr>
-          <a:xfrm rot="0">
+            <a:endParaRPr lang="en-US" sz="5000" spc="100">
+              <a:solidFill>
+                <a:srgbClr val="404040"/>
+              </a:solidFill>
+              <a:latin typeface="Now Bold"/>
+            </a:endParaRPr>
+          </a:p>
+        </p:txBody>
+      </p:sp>
+      <p:sp>
+        <p:nvSpPr>
+          <p:cNvPr id="10" name="TextBox 10"/>
+          <p:cNvSpPr txBox="1"/>
+          <p:nvPr/>
+        </p:nvSpPr>
+        <p:spPr>
+          <a:xfrm>
             <a:off x="4614700" y="5427351"/>
             <a:ext cx="9058600" cy="524510"/>
           </a:xfrm>
@@ -3469,7 +3509,7 @@
           </a:prstGeom>
         </p:spPr>
         <p:txBody>
-          <a:bodyPr anchor="t" rtlCol="false" tIns="0" lIns="0" bIns="0" rIns="0">
+          <a:bodyPr lIns="0" tIns="0" rIns="0" bIns="0" rtlCol="0" anchor="t">
             <a:spAutoFit/>
           </a:bodyPr>
           <a:lstStyle/>
@@ -3493,12 +3533,12 @@
       </p:sp>
       <p:sp>
         <p:nvSpPr>
-          <p:cNvPr name="TextBox 11" id="11"/>
-          <p:cNvSpPr txBox="true"/>
-          <p:nvPr/>
-        </p:nvSpPr>
-        <p:spPr>
-          <a:xfrm rot="0">
+          <p:cNvPr id="11" name="TextBox 11"/>
+          <p:cNvSpPr txBox="1"/>
+          <p:nvPr/>
+        </p:nvSpPr>
+        <p:spPr>
+          <a:xfrm>
             <a:off x="14746625" y="1028700"/>
             <a:ext cx="2512675" cy="524510"/>
           </a:xfrm>
@@ -3507,7 +3547,7 @@
           </a:prstGeom>
         </p:spPr>
         <p:txBody>
-          <a:bodyPr anchor="t" rtlCol="false" tIns="0" lIns="0" bIns="0" rIns="0">
+          <a:bodyPr lIns="0" tIns="0" rIns="0" bIns="0" rtlCol="0" anchor="t">
             <a:spAutoFit/>
           </a:bodyPr>
           <a:lstStyle/>
@@ -3531,12 +3571,12 @@
       </p:sp>
       <p:sp>
         <p:nvSpPr>
-          <p:cNvPr name="TextBox 12" id="12"/>
-          <p:cNvSpPr txBox="true"/>
-          <p:nvPr/>
-        </p:nvSpPr>
-        <p:spPr>
-          <a:xfrm rot="0">
+          <p:cNvPr id="12" name="TextBox 12"/>
+          <p:cNvSpPr txBox="1"/>
+          <p:nvPr/>
+        </p:nvSpPr>
+        <p:spPr>
+          <a:xfrm>
             <a:off x="4614700" y="6086611"/>
             <a:ext cx="9058600" cy="524510"/>
           </a:xfrm>
@@ -3545,12 +3585,12 @@
           </a:prstGeom>
         </p:spPr>
         <p:txBody>
-          <a:bodyPr anchor="t" rtlCol="false" tIns="0" lIns="0" bIns="0" rIns="0">
+          <a:bodyPr lIns="0" tIns="0" rIns="0" bIns="0" rtlCol="0" anchor="t">
             <a:spAutoFit/>
           </a:bodyPr>
           <a:lstStyle/>
           <a:p>
-            <a:pPr algn="ctr" marL="0" indent="0" lvl="0">
+            <a:pPr marL="0" lvl="0" indent="0" algn="ctr">
               <a:lnSpc>
                 <a:spcPts val="4270"/>
               </a:lnSpc>
@@ -3559,7 +3599,7 @@
               </a:spcBef>
             </a:pPr>
             <a:r>
-              <a:rPr lang="en-US" sz="3500" strike="noStrike" u="none">
+              <a:rPr lang="en-US" sz="3500" u="none" strike="noStrike">
                 <a:solidFill>
                   <a:srgbClr val="404040"/>
                 </a:solidFill>
@@ -3572,12 +3612,12 @@
       </p:sp>
       <p:sp>
         <p:nvSpPr>
-          <p:cNvPr name="TextBox 13" id="13"/>
-          <p:cNvSpPr txBox="true"/>
-          <p:nvPr/>
-        </p:nvSpPr>
-        <p:spPr>
-          <a:xfrm rot="0">
+          <p:cNvPr id="13" name="TextBox 13"/>
+          <p:cNvSpPr txBox="1"/>
+          <p:nvPr/>
+        </p:nvSpPr>
+        <p:spPr>
+          <a:xfrm>
             <a:off x="4614700" y="7201671"/>
             <a:ext cx="9058600" cy="524510"/>
           </a:xfrm>
@@ -3586,12 +3626,12 @@
           </a:prstGeom>
         </p:spPr>
         <p:txBody>
-          <a:bodyPr anchor="t" rtlCol="false" tIns="0" lIns="0" bIns="0" rIns="0">
+          <a:bodyPr lIns="0" tIns="0" rIns="0" bIns="0" rtlCol="0" anchor="t">
             <a:spAutoFit/>
           </a:bodyPr>
           <a:lstStyle/>
           <a:p>
-            <a:pPr algn="ctr" marL="0" indent="0" lvl="0">
+            <a:pPr marL="0" lvl="0" indent="0" algn="ctr">
               <a:lnSpc>
                 <a:spcPts val="4270"/>
               </a:lnSpc>
@@ -3600,7 +3640,7 @@
               </a:spcBef>
             </a:pPr>
             <a:r>
-              <a:rPr lang="en-US" sz="3500" strike="noStrike" u="none">
+              <a:rPr lang="en-US" sz="3500" u="none" strike="noStrike">
                 <a:solidFill>
                   <a:srgbClr val="404040"/>
                 </a:solidFill>
@@ -3620,13 +3660,14 @@
 </file>
 
 <file path=ppt/slides/slide10.xml><?xml version="1.0" encoding="utf-8"?>
-<p:sld xmlns:p="http://schemas.openxmlformats.org/presentationml/2006/main" xmlns:a="http://schemas.openxmlformats.org/drawingml/2006/main" xmlns:r="http://schemas.openxmlformats.org/officeDocument/2006/relationships">
+<p:sld xmlns:a="http://schemas.openxmlformats.org/drawingml/2006/main" xmlns:r="http://schemas.openxmlformats.org/officeDocument/2006/relationships" xmlns:p="http://schemas.openxmlformats.org/presentationml/2006/main">
   <p:cSld>
     <p:bg>
       <p:bgPr>
         <a:solidFill>
           <a:srgbClr val="F4F4F4"/>
         </a:solidFill>
+        <a:effectLst/>
       </p:bgPr>
     </p:bg>
     <p:spTree>
@@ -3645,12 +3686,12 @@
       </p:grpSpPr>
       <p:sp>
         <p:nvSpPr>
-          <p:cNvPr name="Freeform 2" id="2"/>
+          <p:cNvPr id="2" name="Freeform 2"/>
           <p:cNvSpPr/>
           <p:nvPr/>
         </p:nvSpPr>
         <p:spPr>
-          <a:xfrm flipH="false" flipV="false" rot="0">
+          <a:xfrm>
             <a:off x="9247909" y="1581809"/>
             <a:ext cx="8011391" cy="7123382"/>
           </a:xfrm>
@@ -3659,9 +3700,9 @@
             <a:gdLst/>
             <a:ahLst/>
             <a:cxnLst/>
-            <a:rect r="r" b="b" t="t" l="l"/>
+            <a:rect l="l" t="t" r="r" b="b"/>
             <a:pathLst>
-              <a:path h="7123382" w="8011391">
+              <a:path w="8011391" h="7123382">
                 <a:moveTo>
                   <a:pt x="0" y="0"/>
                 </a:moveTo>
@@ -3684,19 +3725,26 @@
           <a:blipFill>
             <a:blip r:embed="rId2"/>
             <a:stretch>
-              <a:fillRect l="0" t="0" r="0" b="0"/>
+              <a:fillRect/>
             </a:stretch>
           </a:blipFill>
         </p:spPr>
-      </p:sp>
-      <p:sp>
-        <p:nvSpPr>
-          <p:cNvPr name="Freeform 3" id="3"/>
+        <p:txBody>
+          <a:bodyPr/>
+          <a:lstStyle/>
+          <a:p>
+            <a:endParaRPr lang="it-IT"/>
+          </a:p>
+        </p:txBody>
+      </p:sp>
+      <p:sp>
+        <p:nvSpPr>
+          <p:cNvPr id="3" name="Freeform 3"/>
           <p:cNvSpPr/>
           <p:nvPr/>
         </p:nvSpPr>
         <p:spPr>
-          <a:xfrm flipH="false" flipV="false" rot="0">
+          <a:xfrm>
             <a:off x="7330750" y="8876641"/>
             <a:ext cx="954479" cy="954479"/>
           </a:xfrm>
@@ -3705,9 +3753,9 @@
             <a:gdLst/>
             <a:ahLst/>
             <a:cxnLst/>
-            <a:rect r="r" b="b" t="t" l="l"/>
+            <a:rect l="l" t="t" r="r" b="b"/>
             <a:pathLst>
-              <a:path h="954479" w="954479">
+              <a:path w="954479" h="954479">
                 <a:moveTo>
                   <a:pt x="0" y="0"/>
                 </a:moveTo>
@@ -3730,19 +3778,26 @@
           <a:blipFill>
             <a:blip r:embed="rId3"/>
             <a:stretch>
-              <a:fillRect l="0" t="0" r="0" b="0"/>
+              <a:fillRect/>
             </a:stretch>
           </a:blipFill>
         </p:spPr>
-      </p:sp>
-      <p:sp>
-        <p:nvSpPr>
-          <p:cNvPr name="TextBox 4" id="4"/>
-          <p:cNvSpPr txBox="true"/>
-          <p:nvPr/>
-        </p:nvSpPr>
-        <p:spPr>
-          <a:xfrm rot="0">
+        <p:txBody>
+          <a:bodyPr/>
+          <a:lstStyle/>
+          <a:p>
+            <a:endParaRPr lang="it-IT"/>
+          </a:p>
+        </p:txBody>
+      </p:sp>
+      <p:sp>
+        <p:nvSpPr>
+          <p:cNvPr id="4" name="TextBox 4"/>
+          <p:cNvSpPr txBox="1"/>
+          <p:nvPr/>
+        </p:nvSpPr>
+        <p:spPr>
+          <a:xfrm>
             <a:off x="1028700" y="2295734"/>
             <a:ext cx="7804633" cy="3692525"/>
           </a:xfrm>
@@ -3751,12 +3806,12 @@
           </a:prstGeom>
         </p:spPr>
         <p:txBody>
-          <a:bodyPr anchor="t" rtlCol="false" tIns="0" lIns="0" bIns="0" rIns="0">
+          <a:bodyPr lIns="0" tIns="0" rIns="0" bIns="0" rtlCol="0" anchor="t">
             <a:spAutoFit/>
           </a:bodyPr>
           <a:lstStyle/>
           <a:p>
-            <a:pPr algn="l" marL="755651" indent="-377825" lvl="1">
+            <a:pPr marL="755651" lvl="1" indent="-377825" algn="l">
               <a:lnSpc>
                 <a:spcPts val="4900"/>
               </a:lnSpc>
@@ -3774,7 +3829,7 @@
             </a:r>
           </a:p>
           <a:p>
-            <a:pPr algn="l" marL="755651" indent="-377825" lvl="1">
+            <a:pPr marL="755651" lvl="1" indent="-377825" algn="l">
               <a:lnSpc>
                 <a:spcPts val="4900"/>
               </a:lnSpc>
@@ -3792,7 +3847,7 @@
             </a:r>
           </a:p>
           <a:p>
-            <a:pPr algn="l" marL="755651" indent="-377825" lvl="1">
+            <a:pPr marL="755651" lvl="1" indent="-377825" algn="l">
               <a:lnSpc>
                 <a:spcPts val="4900"/>
               </a:lnSpc>
@@ -3816,12 +3871,12 @@
       </p:sp>
       <p:sp>
         <p:nvSpPr>
-          <p:cNvPr name="TextBox 5" id="5"/>
-          <p:cNvSpPr txBox="true"/>
-          <p:nvPr/>
-        </p:nvSpPr>
-        <p:spPr>
-          <a:xfrm rot="0">
+          <p:cNvPr id="5" name="TextBox 5"/>
+          <p:cNvSpPr txBox="1"/>
+          <p:nvPr/>
+        </p:nvSpPr>
+        <p:spPr>
+          <a:xfrm>
             <a:off x="1028700" y="628650"/>
             <a:ext cx="16230600" cy="849312"/>
           </a:xfrm>
@@ -3830,7 +3885,7 @@
           </a:prstGeom>
         </p:spPr>
         <p:txBody>
-          <a:bodyPr anchor="t" rtlCol="false" tIns="0" lIns="0" bIns="0" rIns="0">
+          <a:bodyPr lIns="0" tIns="0" rIns="0" bIns="0" rtlCol="0" anchor="t">
             <a:spAutoFit/>
           </a:bodyPr>
           <a:lstStyle/>
@@ -3854,12 +3909,12 @@
       </p:sp>
       <p:sp>
         <p:nvSpPr>
-          <p:cNvPr name="TextBox 6" id="6"/>
-          <p:cNvSpPr txBox="true"/>
-          <p:nvPr/>
-        </p:nvSpPr>
-        <p:spPr>
-          <a:xfrm rot="0">
+          <p:cNvPr id="6" name="TextBox 6"/>
+          <p:cNvSpPr txBox="1"/>
+          <p:nvPr/>
+        </p:nvSpPr>
+        <p:spPr>
+          <a:xfrm>
             <a:off x="1028700" y="1505609"/>
             <a:ext cx="7707586" cy="684213"/>
           </a:xfrm>
@@ -3868,7 +3923,7 @@
           </a:prstGeom>
         </p:spPr>
         <p:txBody>
-          <a:bodyPr anchor="t" rtlCol="false" tIns="0" lIns="0" bIns="0" rIns="0">
+          <a:bodyPr lIns="0" tIns="0" rIns="0" bIns="0" rtlCol="0" anchor="t">
             <a:spAutoFit/>
           </a:bodyPr>
           <a:lstStyle/>
@@ -3892,12 +3947,12 @@
       </p:sp>
       <p:sp>
         <p:nvSpPr>
-          <p:cNvPr name="TextBox 7" id="7"/>
-          <p:cNvSpPr txBox="true"/>
-          <p:nvPr/>
-        </p:nvSpPr>
-        <p:spPr>
-          <a:xfrm rot="0">
+          <p:cNvPr id="7" name="TextBox 7"/>
+          <p:cNvSpPr txBox="1"/>
+          <p:nvPr/>
+        </p:nvSpPr>
+        <p:spPr>
+          <a:xfrm>
             <a:off x="8285230" y="9118930"/>
             <a:ext cx="2672020" cy="422275"/>
           </a:xfrm>
@@ -3906,7 +3961,7 @@
           </a:prstGeom>
         </p:spPr>
         <p:txBody>
-          <a:bodyPr anchor="t" rtlCol="false" tIns="0" lIns="0" bIns="0" rIns="0">
+          <a:bodyPr lIns="0" tIns="0" rIns="0" bIns="0" rtlCol="0" anchor="t">
             <a:spAutoFit/>
           </a:bodyPr>
           <a:lstStyle/>
@@ -3940,13 +3995,14 @@
 </file>
 
 <file path=ppt/slides/slide11.xml><?xml version="1.0" encoding="utf-8"?>
-<p:sld xmlns:p="http://schemas.openxmlformats.org/presentationml/2006/main" xmlns:a="http://schemas.openxmlformats.org/drawingml/2006/main" xmlns:r="http://schemas.openxmlformats.org/officeDocument/2006/relationships">
+<p:sld xmlns:a="http://schemas.openxmlformats.org/drawingml/2006/main" xmlns:r="http://schemas.openxmlformats.org/officeDocument/2006/relationships" xmlns:p="http://schemas.openxmlformats.org/presentationml/2006/main">
   <p:cSld>
     <p:bg>
       <p:bgPr>
         <a:solidFill>
           <a:srgbClr val="F4F4F4"/>
         </a:solidFill>
+        <a:effectLst/>
       </p:bgPr>
     </p:bg>
     <p:spTree>
@@ -3965,12 +4021,12 @@
       </p:grpSpPr>
       <p:sp>
         <p:nvSpPr>
-          <p:cNvPr name="Freeform 2" id="2"/>
+          <p:cNvPr id="2" name="Freeform 2"/>
           <p:cNvSpPr/>
           <p:nvPr/>
         </p:nvSpPr>
         <p:spPr>
-          <a:xfrm flipH="false" flipV="false" rot="0">
+          <a:xfrm>
             <a:off x="7007259" y="8905350"/>
             <a:ext cx="954479" cy="954479"/>
           </a:xfrm>
@@ -3979,9 +4035,9 @@
             <a:gdLst/>
             <a:ahLst/>
             <a:cxnLst/>
-            <a:rect r="r" b="b" t="t" l="l"/>
+            <a:rect l="l" t="t" r="r" b="b"/>
             <a:pathLst>
-              <a:path h="954479" w="954479">
+              <a:path w="954479" h="954479">
                 <a:moveTo>
                   <a:pt x="0" y="0"/>
                 </a:moveTo>
@@ -4004,19 +4060,26 @@
           <a:blipFill>
             <a:blip r:embed="rId2"/>
             <a:stretch>
-              <a:fillRect l="0" t="0" r="0" b="0"/>
+              <a:fillRect/>
             </a:stretch>
           </a:blipFill>
         </p:spPr>
-      </p:sp>
-      <p:sp>
-        <p:nvSpPr>
-          <p:cNvPr name="TextBox 3" id="3"/>
-          <p:cNvSpPr txBox="true"/>
-          <p:nvPr/>
-        </p:nvSpPr>
-        <p:spPr>
-          <a:xfrm rot="0">
+        <p:txBody>
+          <a:bodyPr/>
+          <a:lstStyle/>
+          <a:p>
+            <a:endParaRPr lang="it-IT"/>
+          </a:p>
+        </p:txBody>
+      </p:sp>
+      <p:sp>
+        <p:nvSpPr>
+          <p:cNvPr id="3" name="TextBox 3"/>
+          <p:cNvSpPr txBox="1"/>
+          <p:nvPr/>
+        </p:nvSpPr>
+        <p:spPr>
+          <a:xfrm>
             <a:off x="1028700" y="2288935"/>
             <a:ext cx="16230600" cy="3692525"/>
           </a:xfrm>
@@ -4025,12 +4088,12 @@
           </a:prstGeom>
         </p:spPr>
         <p:txBody>
-          <a:bodyPr anchor="t" rtlCol="false" tIns="0" lIns="0" bIns="0" rIns="0">
+          <a:bodyPr lIns="0" tIns="0" rIns="0" bIns="0" rtlCol="0" anchor="t">
             <a:spAutoFit/>
           </a:bodyPr>
           <a:lstStyle/>
           <a:p>
-            <a:pPr algn="l" marL="755651" indent="-377825" lvl="1">
+            <a:pPr marL="755651" lvl="1" indent="-377825" algn="l">
               <a:lnSpc>
                 <a:spcPts val="4900"/>
               </a:lnSpc>
@@ -4048,7 +4111,7 @@
             </a:r>
           </a:p>
           <a:p>
-            <a:pPr algn="l" marL="755651" indent="-377825" lvl="1">
+            <a:pPr marL="755651" lvl="1" indent="-377825" algn="l">
               <a:lnSpc>
                 <a:spcPts val="4900"/>
               </a:lnSpc>
@@ -4066,7 +4129,7 @@
             </a:r>
           </a:p>
           <a:p>
-            <a:pPr algn="l" marL="755651" indent="-377825" lvl="1">
+            <a:pPr marL="755651" lvl="1" indent="-377825" algn="l">
               <a:lnSpc>
                 <a:spcPts val="4900"/>
               </a:lnSpc>
@@ -4084,7 +4147,7 @@
             </a:r>
           </a:p>
           <a:p>
-            <a:pPr algn="l" marL="755651" indent="-377825" lvl="1">
+            <a:pPr marL="755651" lvl="1" indent="-377825" algn="l">
               <a:lnSpc>
                 <a:spcPts val="4900"/>
               </a:lnSpc>
@@ -4108,12 +4171,12 @@
       </p:sp>
       <p:sp>
         <p:nvSpPr>
-          <p:cNvPr name="TextBox 4" id="4"/>
-          <p:cNvSpPr txBox="true"/>
-          <p:nvPr/>
-        </p:nvSpPr>
-        <p:spPr>
-          <a:xfrm rot="0">
+          <p:cNvPr id="4" name="TextBox 4"/>
+          <p:cNvSpPr txBox="1"/>
+          <p:nvPr/>
+        </p:nvSpPr>
+        <p:spPr>
+          <a:xfrm>
             <a:off x="1028700" y="628650"/>
             <a:ext cx="16230600" cy="849312"/>
           </a:xfrm>
@@ -4122,7 +4185,7 @@
           </a:prstGeom>
         </p:spPr>
         <p:txBody>
-          <a:bodyPr anchor="t" rtlCol="false" tIns="0" lIns="0" bIns="0" rIns="0">
+          <a:bodyPr lIns="0" tIns="0" rIns="0" bIns="0" rtlCol="0" anchor="t">
             <a:spAutoFit/>
           </a:bodyPr>
           <a:lstStyle/>
@@ -4146,12 +4209,12 @@
       </p:sp>
       <p:sp>
         <p:nvSpPr>
-          <p:cNvPr name="TextBox 5" id="5"/>
-          <p:cNvSpPr txBox="true"/>
-          <p:nvPr/>
-        </p:nvSpPr>
-        <p:spPr>
-          <a:xfrm rot="0">
+          <p:cNvPr id="5" name="TextBox 5"/>
+          <p:cNvSpPr txBox="1"/>
+          <p:nvPr/>
+        </p:nvSpPr>
+        <p:spPr>
+          <a:xfrm>
             <a:off x="1028700" y="1536580"/>
             <a:ext cx="16230600" cy="684213"/>
           </a:xfrm>
@@ -4160,7 +4223,7 @@
           </a:prstGeom>
         </p:spPr>
         <p:txBody>
-          <a:bodyPr anchor="t" rtlCol="false" tIns="0" lIns="0" bIns="0" rIns="0">
+          <a:bodyPr lIns="0" tIns="0" rIns="0" bIns="0" rtlCol="0" anchor="t">
             <a:spAutoFit/>
           </a:bodyPr>
           <a:lstStyle/>
@@ -4184,12 +4247,12 @@
       </p:sp>
       <p:sp>
         <p:nvSpPr>
-          <p:cNvPr name="TextBox 6" id="6"/>
-          <p:cNvSpPr txBox="true"/>
-          <p:nvPr/>
-        </p:nvSpPr>
-        <p:spPr>
-          <a:xfrm rot="0">
+          <p:cNvPr id="6" name="TextBox 6"/>
+          <p:cNvSpPr txBox="1"/>
+          <p:nvPr/>
+        </p:nvSpPr>
+        <p:spPr>
+          <a:xfrm>
             <a:off x="7961738" y="9147640"/>
             <a:ext cx="3319003" cy="422275"/>
           </a:xfrm>
@@ -4198,7 +4261,7 @@
           </a:prstGeom>
         </p:spPr>
         <p:txBody>
-          <a:bodyPr anchor="t" rtlCol="false" tIns="0" lIns="0" bIns="0" rIns="0">
+          <a:bodyPr lIns="0" tIns="0" rIns="0" bIns="0" rtlCol="0" anchor="t">
             <a:spAutoFit/>
           </a:bodyPr>
           <a:lstStyle/>
@@ -4232,13 +4295,14 @@
 </file>
 
 <file path=ppt/slides/slide12.xml><?xml version="1.0" encoding="utf-8"?>
-<p:sld xmlns:p="http://schemas.openxmlformats.org/presentationml/2006/main" xmlns:a="http://schemas.openxmlformats.org/drawingml/2006/main">
+<p:sld xmlns:a="http://schemas.openxmlformats.org/drawingml/2006/main" xmlns:r="http://schemas.openxmlformats.org/officeDocument/2006/relationships" xmlns:p="http://schemas.openxmlformats.org/presentationml/2006/main">
   <p:cSld>
     <p:bg>
       <p:bgPr>
         <a:solidFill>
           <a:srgbClr val="F4F4F4"/>
         </a:solidFill>
+        <a:effectLst/>
       </p:bgPr>
     </p:bg>
     <p:spTree>
@@ -4257,12 +4321,12 @@
       </p:grpSpPr>
       <p:sp>
         <p:nvSpPr>
-          <p:cNvPr name="TextBox 2" id="2"/>
-          <p:cNvSpPr txBox="true"/>
-          <p:nvPr/>
-        </p:nvSpPr>
-        <p:spPr>
-          <a:xfrm rot="0">
+          <p:cNvPr id="2" name="TextBox 2"/>
+          <p:cNvSpPr txBox="1"/>
+          <p:nvPr/>
+        </p:nvSpPr>
+        <p:spPr>
+          <a:xfrm>
             <a:off x="1028700" y="941179"/>
             <a:ext cx="16230600" cy="849312"/>
           </a:xfrm>
@@ -4271,7 +4335,7 @@
           </a:prstGeom>
         </p:spPr>
         <p:txBody>
-          <a:bodyPr anchor="t" rtlCol="false" tIns="0" lIns="0" bIns="0" rIns="0">
+          <a:bodyPr lIns="0" tIns="0" rIns="0" bIns="0" rtlCol="0" anchor="t">
             <a:spAutoFit/>
           </a:bodyPr>
           <a:lstStyle/>
@@ -4295,12 +4359,12 @@
       </p:sp>
       <p:sp>
         <p:nvSpPr>
-          <p:cNvPr name="TextBox 3" id="3"/>
-          <p:cNvSpPr txBox="true"/>
-          <p:nvPr/>
-        </p:nvSpPr>
-        <p:spPr>
-          <a:xfrm rot="0">
+          <p:cNvPr id="3" name="TextBox 3"/>
+          <p:cNvSpPr txBox="1"/>
+          <p:nvPr/>
+        </p:nvSpPr>
+        <p:spPr>
+          <a:xfrm>
             <a:off x="1028700" y="2047666"/>
             <a:ext cx="16230600" cy="684213"/>
           </a:xfrm>
@@ -4309,7 +4373,7 @@
           </a:prstGeom>
         </p:spPr>
         <p:txBody>
-          <a:bodyPr anchor="t" rtlCol="false" tIns="0" lIns="0" bIns="0" rIns="0">
+          <a:bodyPr lIns="0" tIns="0" rIns="0" bIns="0" rtlCol="0" anchor="t">
             <a:spAutoFit/>
           </a:bodyPr>
           <a:lstStyle/>
@@ -4333,12 +4397,12 @@
       </p:sp>
       <p:sp>
         <p:nvSpPr>
-          <p:cNvPr name="TextBox 4" id="4"/>
-          <p:cNvSpPr txBox="true"/>
-          <p:nvPr/>
-        </p:nvSpPr>
-        <p:spPr>
-          <a:xfrm rot="0">
+          <p:cNvPr id="4" name="TextBox 4"/>
+          <p:cNvSpPr txBox="1"/>
+          <p:nvPr/>
+        </p:nvSpPr>
+        <p:spPr>
+          <a:xfrm>
             <a:off x="1028700" y="2998579"/>
             <a:ext cx="16230600" cy="4311650"/>
           </a:xfrm>
@@ -4347,7 +4411,7 @@
           </a:prstGeom>
         </p:spPr>
         <p:txBody>
-          <a:bodyPr anchor="t" rtlCol="false" tIns="0" lIns="0" bIns="0" rIns="0">
+          <a:bodyPr lIns="0" tIns="0" rIns="0" bIns="0" rtlCol="0" anchor="t">
             <a:spAutoFit/>
           </a:bodyPr>
           <a:lstStyle/>
@@ -4373,6 +4437,12 @@
                 <a:spcPts val="4900"/>
               </a:lnSpc>
             </a:pPr>
+            <a:endParaRPr lang="en-US" sz="3500">
+              <a:solidFill>
+                <a:srgbClr val="404040"/>
+              </a:solidFill>
+              <a:latin typeface="Now"/>
+            </a:endParaRPr>
           </a:p>
           <a:p>
             <a:pPr algn="l">
@@ -4396,6 +4466,12 @@
                 <a:spcPts val="4900"/>
               </a:lnSpc>
             </a:pPr>
+            <a:endParaRPr lang="en-US" sz="3500">
+              <a:solidFill>
+                <a:srgbClr val="404040"/>
+              </a:solidFill>
+              <a:latin typeface="Now"/>
+            </a:endParaRPr>
           </a:p>
           <a:p>
             <a:pPr algn="l">
@@ -4427,13 +4503,14 @@
 </file>
 
 <file path=ppt/slides/slide13.xml><?xml version="1.0" encoding="utf-8"?>
-<p:sld xmlns:p="http://schemas.openxmlformats.org/presentationml/2006/main" xmlns:a="http://schemas.openxmlformats.org/drawingml/2006/main">
+<p:sld xmlns:a="http://schemas.openxmlformats.org/drawingml/2006/main" xmlns:r="http://schemas.openxmlformats.org/officeDocument/2006/relationships" xmlns:p="http://schemas.openxmlformats.org/presentationml/2006/main">
   <p:cSld>
     <p:bg>
       <p:bgPr>
         <a:solidFill>
           <a:srgbClr val="F4F4F4"/>
         </a:solidFill>
+        <a:effectLst/>
       </p:bgPr>
     </p:bg>
     <p:spTree>
@@ -4452,12 +4529,12 @@
       </p:grpSpPr>
       <p:sp>
         <p:nvSpPr>
-          <p:cNvPr name="TextBox 2" id="2"/>
-          <p:cNvSpPr txBox="true"/>
-          <p:nvPr/>
-        </p:nvSpPr>
-        <p:spPr>
-          <a:xfrm rot="0">
+          <p:cNvPr id="2" name="TextBox 2"/>
+          <p:cNvSpPr txBox="1"/>
+          <p:nvPr/>
+        </p:nvSpPr>
+        <p:spPr>
+          <a:xfrm>
             <a:off x="1028700" y="598279"/>
             <a:ext cx="16230600" cy="823912"/>
           </a:xfrm>
@@ -4466,7 +4543,7 @@
           </a:prstGeom>
         </p:spPr>
         <p:txBody>
-          <a:bodyPr anchor="t" rtlCol="false" tIns="0" lIns="0" bIns="0" rIns="0">
+          <a:bodyPr lIns="0" tIns="0" rIns="0" bIns="0" rtlCol="0" anchor="t">
             <a:spAutoFit/>
           </a:bodyPr>
           <a:lstStyle/>
@@ -4490,12 +4567,12 @@
       </p:sp>
       <p:sp>
         <p:nvSpPr>
-          <p:cNvPr name="TextBox 3" id="3"/>
-          <p:cNvSpPr txBox="true"/>
-          <p:nvPr/>
-        </p:nvSpPr>
-        <p:spPr>
-          <a:xfrm rot="0">
+          <p:cNvPr id="3" name="TextBox 3"/>
+          <p:cNvSpPr txBox="1"/>
+          <p:nvPr/>
+        </p:nvSpPr>
+        <p:spPr>
+          <a:xfrm>
             <a:off x="1028700" y="2132477"/>
             <a:ext cx="16230600" cy="1181100"/>
           </a:xfrm>
@@ -4504,7 +4581,7 @@
           </a:prstGeom>
         </p:spPr>
         <p:txBody>
-          <a:bodyPr anchor="t" rtlCol="false" tIns="0" lIns="0" bIns="0" rIns="0">
+          <a:bodyPr lIns="0" tIns="0" rIns="0" bIns="0" rtlCol="0" anchor="t">
             <a:spAutoFit/>
           </a:bodyPr>
           <a:lstStyle/>
@@ -4528,12 +4605,12 @@
       </p:sp>
       <p:sp>
         <p:nvSpPr>
-          <p:cNvPr name="TextBox 4" id="4"/>
-          <p:cNvSpPr txBox="true"/>
-          <p:nvPr/>
-        </p:nvSpPr>
-        <p:spPr>
-          <a:xfrm rot="0">
+          <p:cNvPr id="4" name="TextBox 4"/>
+          <p:cNvSpPr txBox="1"/>
+          <p:nvPr/>
+        </p:nvSpPr>
+        <p:spPr>
+          <a:xfrm>
             <a:off x="1028700" y="1441578"/>
             <a:ext cx="16230600" cy="661988"/>
           </a:xfrm>
@@ -4542,7 +4619,7 @@
           </a:prstGeom>
         </p:spPr>
         <p:txBody>
-          <a:bodyPr anchor="t" rtlCol="false" tIns="0" lIns="0" bIns="0" rIns="0">
+          <a:bodyPr lIns="0" tIns="0" rIns="0" bIns="0" rtlCol="0" anchor="t">
             <a:spAutoFit/>
           </a:bodyPr>
           <a:lstStyle/>
@@ -4566,12 +4643,12 @@
       </p:sp>
       <p:sp>
         <p:nvSpPr>
-          <p:cNvPr name="TextBox 5" id="5"/>
-          <p:cNvSpPr txBox="true"/>
-          <p:nvPr/>
-        </p:nvSpPr>
-        <p:spPr>
-          <a:xfrm rot="0">
+          <p:cNvPr id="5" name="TextBox 5"/>
+          <p:cNvSpPr txBox="1"/>
+          <p:nvPr/>
+        </p:nvSpPr>
+        <p:spPr>
+          <a:xfrm>
             <a:off x="1028700" y="3532652"/>
             <a:ext cx="16230600" cy="661988"/>
           </a:xfrm>
@@ -4580,7 +4657,7 @@
           </a:prstGeom>
         </p:spPr>
         <p:txBody>
-          <a:bodyPr anchor="t" rtlCol="false" tIns="0" lIns="0" bIns="0" rIns="0">
+          <a:bodyPr lIns="0" tIns="0" rIns="0" bIns="0" rtlCol="0" anchor="t">
             <a:spAutoFit/>
           </a:bodyPr>
           <a:lstStyle/>
@@ -4604,12 +4681,12 @@
       </p:sp>
       <p:sp>
         <p:nvSpPr>
-          <p:cNvPr name="TextBox 6" id="6"/>
-          <p:cNvSpPr txBox="true"/>
-          <p:nvPr/>
-        </p:nvSpPr>
-        <p:spPr>
-          <a:xfrm rot="0">
+          <p:cNvPr id="6" name="TextBox 6"/>
+          <p:cNvSpPr txBox="1"/>
+          <p:nvPr/>
+        </p:nvSpPr>
+        <p:spPr>
+          <a:xfrm>
             <a:off x="1028700" y="4147014"/>
             <a:ext cx="16230600" cy="1781175"/>
           </a:xfrm>
@@ -4618,7 +4695,7 @@
           </a:prstGeom>
         </p:spPr>
         <p:txBody>
-          <a:bodyPr anchor="t" rtlCol="false" tIns="0" lIns="0" bIns="0" rIns="0">
+          <a:bodyPr lIns="0" tIns="0" rIns="0" bIns="0" rtlCol="0" anchor="t">
             <a:spAutoFit/>
           </a:bodyPr>
           <a:lstStyle/>
@@ -4642,12 +4719,12 @@
       </p:sp>
       <p:sp>
         <p:nvSpPr>
-          <p:cNvPr name="TextBox 7" id="7"/>
-          <p:cNvSpPr txBox="true"/>
-          <p:nvPr/>
-        </p:nvSpPr>
-        <p:spPr>
-          <a:xfrm rot="0">
+          <p:cNvPr id="7" name="TextBox 7"/>
+          <p:cNvSpPr txBox="1"/>
+          <p:nvPr/>
+        </p:nvSpPr>
+        <p:spPr>
+          <a:xfrm>
             <a:off x="1028700" y="6147264"/>
             <a:ext cx="16230600" cy="661988"/>
           </a:xfrm>
@@ -4656,7 +4733,7 @@
           </a:prstGeom>
         </p:spPr>
         <p:txBody>
-          <a:bodyPr anchor="t" rtlCol="false" tIns="0" lIns="0" bIns="0" rIns="0">
+          <a:bodyPr lIns="0" tIns="0" rIns="0" bIns="0" rtlCol="0" anchor="t">
             <a:spAutoFit/>
           </a:bodyPr>
           <a:lstStyle/>
@@ -4680,12 +4757,12 @@
       </p:sp>
       <p:sp>
         <p:nvSpPr>
-          <p:cNvPr name="TextBox 8" id="8"/>
-          <p:cNvSpPr txBox="true"/>
-          <p:nvPr/>
-        </p:nvSpPr>
-        <p:spPr>
-          <a:xfrm rot="0">
+          <p:cNvPr id="8" name="TextBox 8"/>
+          <p:cNvSpPr txBox="1"/>
+          <p:nvPr/>
+        </p:nvSpPr>
+        <p:spPr>
+          <a:xfrm>
             <a:off x="1028700" y="6837827"/>
             <a:ext cx="16230600" cy="1181100"/>
           </a:xfrm>
@@ -4694,7 +4771,7 @@
           </a:prstGeom>
         </p:spPr>
         <p:txBody>
-          <a:bodyPr anchor="t" rtlCol="false" tIns="0" lIns="0" bIns="0" rIns="0">
+          <a:bodyPr lIns="0" tIns="0" rIns="0" bIns="0" rtlCol="0" anchor="t">
             <a:spAutoFit/>
           </a:bodyPr>
           <a:lstStyle/>
@@ -4718,12 +4795,12 @@
       </p:sp>
       <p:sp>
         <p:nvSpPr>
-          <p:cNvPr name="TextBox 9" id="9"/>
-          <p:cNvSpPr txBox="true"/>
-          <p:nvPr/>
-        </p:nvSpPr>
-        <p:spPr>
-          <a:xfrm rot="0">
+          <p:cNvPr id="9" name="TextBox 9"/>
+          <p:cNvSpPr txBox="1"/>
+          <p:nvPr/>
+        </p:nvSpPr>
+        <p:spPr>
+          <a:xfrm>
             <a:off x="1028700" y="8238002"/>
             <a:ext cx="16230600" cy="661988"/>
           </a:xfrm>
@@ -4732,7 +4809,7 @@
           </a:prstGeom>
         </p:spPr>
         <p:txBody>
-          <a:bodyPr anchor="t" rtlCol="false" tIns="0" lIns="0" bIns="0" rIns="0">
+          <a:bodyPr lIns="0" tIns="0" rIns="0" bIns="0" rtlCol="0" anchor="t">
             <a:spAutoFit/>
           </a:bodyPr>
           <a:lstStyle/>
@@ -4756,12 +4833,12 @@
       </p:sp>
       <p:sp>
         <p:nvSpPr>
-          <p:cNvPr name="TextBox 10" id="10"/>
-          <p:cNvSpPr txBox="true"/>
-          <p:nvPr/>
-        </p:nvSpPr>
-        <p:spPr>
-          <a:xfrm rot="0">
+          <p:cNvPr id="10" name="TextBox 10"/>
+          <p:cNvSpPr txBox="1"/>
+          <p:nvPr/>
+        </p:nvSpPr>
+        <p:spPr>
+          <a:xfrm>
             <a:off x="1028700" y="8852364"/>
             <a:ext cx="16230600" cy="1181100"/>
           </a:xfrm>
@@ -4770,7 +4847,7 @@
           </a:prstGeom>
         </p:spPr>
         <p:txBody>
-          <a:bodyPr anchor="t" rtlCol="false" tIns="0" lIns="0" bIns="0" rIns="0">
+          <a:bodyPr lIns="0" tIns="0" rIns="0" bIns="0" rtlCol="0" anchor="t">
             <a:spAutoFit/>
           </a:bodyPr>
           <a:lstStyle/>
@@ -4801,13 +4878,14 @@
 </file>
 
 <file path=ppt/slides/slide14.xml><?xml version="1.0" encoding="utf-8"?>
-<p:sld xmlns:p="http://schemas.openxmlformats.org/presentationml/2006/main" xmlns:a="http://schemas.openxmlformats.org/drawingml/2006/main">
+<p:sld xmlns:a="http://schemas.openxmlformats.org/drawingml/2006/main" xmlns:r="http://schemas.openxmlformats.org/officeDocument/2006/relationships" xmlns:p="http://schemas.openxmlformats.org/presentationml/2006/main">
   <p:cSld>
     <p:bg>
       <p:bgPr>
         <a:solidFill>
           <a:srgbClr val="F4F4F4"/>
         </a:solidFill>
+        <a:effectLst/>
       </p:bgPr>
     </p:bg>
     <p:spTree>
@@ -4826,12 +4904,12 @@
       </p:grpSpPr>
       <p:sp>
         <p:nvSpPr>
-          <p:cNvPr name="TextBox 2" id="2"/>
-          <p:cNvSpPr txBox="true"/>
-          <p:nvPr/>
-        </p:nvSpPr>
-        <p:spPr>
-          <a:xfrm rot="0">
+          <p:cNvPr id="2" name="TextBox 2"/>
+          <p:cNvSpPr txBox="1"/>
+          <p:nvPr/>
+        </p:nvSpPr>
+        <p:spPr>
+          <a:xfrm>
             <a:off x="1028700" y="941179"/>
             <a:ext cx="16230600" cy="849312"/>
           </a:xfrm>
@@ -4840,7 +4918,7 @@
           </a:prstGeom>
         </p:spPr>
         <p:txBody>
-          <a:bodyPr anchor="t" rtlCol="false" tIns="0" lIns="0" bIns="0" rIns="0">
+          <a:bodyPr lIns="0" tIns="0" rIns="0" bIns="0" rtlCol="0" anchor="t">
             <a:spAutoFit/>
           </a:bodyPr>
           <a:lstStyle/>
@@ -4864,12 +4942,12 @@
       </p:sp>
       <p:sp>
         <p:nvSpPr>
-          <p:cNvPr name="TextBox 3" id="3"/>
-          <p:cNvSpPr txBox="true"/>
-          <p:nvPr/>
-        </p:nvSpPr>
-        <p:spPr>
-          <a:xfrm rot="0">
+          <p:cNvPr id="3" name="TextBox 3"/>
+          <p:cNvSpPr txBox="1"/>
+          <p:nvPr/>
+        </p:nvSpPr>
+        <p:spPr>
+          <a:xfrm>
             <a:off x="1028700" y="1983726"/>
             <a:ext cx="16230600" cy="684213"/>
           </a:xfrm>
@@ -4878,7 +4956,7 @@
           </a:prstGeom>
         </p:spPr>
         <p:txBody>
-          <a:bodyPr anchor="t" rtlCol="false" tIns="0" lIns="0" bIns="0" rIns="0">
+          <a:bodyPr lIns="0" tIns="0" rIns="0" bIns="0" rtlCol="0" anchor="t">
             <a:spAutoFit/>
           </a:bodyPr>
           <a:lstStyle/>
@@ -4902,12 +4980,12 @@
       </p:sp>
       <p:sp>
         <p:nvSpPr>
-          <p:cNvPr name="TextBox 4" id="4"/>
-          <p:cNvSpPr txBox="true"/>
-          <p:nvPr/>
-        </p:nvSpPr>
-        <p:spPr>
-          <a:xfrm rot="0">
+          <p:cNvPr id="4" name="TextBox 4"/>
+          <p:cNvSpPr txBox="1"/>
+          <p:nvPr/>
+        </p:nvSpPr>
+        <p:spPr>
+          <a:xfrm>
             <a:off x="1028700" y="2758149"/>
             <a:ext cx="16230600" cy="1835150"/>
           </a:xfrm>
@@ -4916,7 +4994,7 @@
           </a:prstGeom>
         </p:spPr>
         <p:txBody>
-          <a:bodyPr anchor="t" rtlCol="false" tIns="0" lIns="0" bIns="0" rIns="0">
+          <a:bodyPr lIns="0" tIns="0" rIns="0" bIns="0" rtlCol="0" anchor="t">
             <a:spAutoFit/>
           </a:bodyPr>
           <a:lstStyle/>
@@ -4943,12 +5021,12 @@
       </p:sp>
       <p:sp>
         <p:nvSpPr>
-          <p:cNvPr name="TextBox 5" id="5"/>
-          <p:cNvSpPr txBox="true"/>
-          <p:nvPr/>
-        </p:nvSpPr>
-        <p:spPr>
-          <a:xfrm rot="0">
+          <p:cNvPr id="5" name="TextBox 5"/>
+          <p:cNvSpPr txBox="1"/>
+          <p:nvPr/>
+        </p:nvSpPr>
+        <p:spPr>
+          <a:xfrm>
             <a:off x="1028700" y="4844874"/>
             <a:ext cx="16230600" cy="684213"/>
           </a:xfrm>
@@ -4957,7 +5035,7 @@
           </a:prstGeom>
         </p:spPr>
         <p:txBody>
-          <a:bodyPr anchor="t" rtlCol="false" tIns="0" lIns="0" bIns="0" rIns="0">
+          <a:bodyPr lIns="0" tIns="0" rIns="0" bIns="0" rtlCol="0" anchor="t">
             <a:spAutoFit/>
           </a:bodyPr>
           <a:lstStyle/>
@@ -4981,12 +5059,12 @@
       </p:sp>
       <p:sp>
         <p:nvSpPr>
-          <p:cNvPr name="TextBox 6" id="6"/>
-          <p:cNvSpPr txBox="true"/>
-          <p:nvPr/>
-        </p:nvSpPr>
-        <p:spPr>
-          <a:xfrm rot="0">
+          <p:cNvPr id="6" name="TextBox 6"/>
+          <p:cNvSpPr txBox="1"/>
+          <p:nvPr/>
+        </p:nvSpPr>
+        <p:spPr>
+          <a:xfrm>
             <a:off x="1028700" y="5614811"/>
             <a:ext cx="16230600" cy="1216025"/>
           </a:xfrm>
@@ -4995,7 +5073,7 @@
           </a:prstGeom>
         </p:spPr>
         <p:txBody>
-          <a:bodyPr anchor="t" rtlCol="false" tIns="0" lIns="0" bIns="0" rIns="0">
+          <a:bodyPr lIns="0" tIns="0" rIns="0" bIns="0" rtlCol="0" anchor="t">
             <a:spAutoFit/>
           </a:bodyPr>
           <a:lstStyle/>
@@ -5022,12 +5100,12 @@
       </p:sp>
       <p:sp>
         <p:nvSpPr>
-          <p:cNvPr name="TextBox 7" id="7"/>
-          <p:cNvSpPr txBox="true"/>
-          <p:nvPr/>
-        </p:nvSpPr>
-        <p:spPr>
-          <a:xfrm rot="0">
+          <p:cNvPr id="7" name="TextBox 7"/>
+          <p:cNvSpPr txBox="1"/>
+          <p:nvPr/>
+        </p:nvSpPr>
+        <p:spPr>
+          <a:xfrm>
             <a:off x="1028700" y="7082411"/>
             <a:ext cx="16230600" cy="684213"/>
           </a:xfrm>
@@ -5036,7 +5114,7 @@
           </a:prstGeom>
         </p:spPr>
         <p:txBody>
-          <a:bodyPr anchor="t" rtlCol="false" tIns="0" lIns="0" bIns="0" rIns="0">
+          <a:bodyPr lIns="0" tIns="0" rIns="0" bIns="0" rtlCol="0" anchor="t">
             <a:spAutoFit/>
           </a:bodyPr>
           <a:lstStyle/>
@@ -5060,12 +5138,12 @@
       </p:sp>
       <p:sp>
         <p:nvSpPr>
-          <p:cNvPr name="TextBox 8" id="8"/>
-          <p:cNvSpPr txBox="true"/>
-          <p:nvPr/>
-        </p:nvSpPr>
-        <p:spPr>
-          <a:xfrm rot="0">
+          <p:cNvPr id="8" name="TextBox 8"/>
+          <p:cNvSpPr txBox="1"/>
+          <p:nvPr/>
+        </p:nvSpPr>
+        <p:spPr>
+          <a:xfrm>
             <a:off x="1028700" y="7852349"/>
             <a:ext cx="16230600" cy="1835150"/>
           </a:xfrm>
@@ -5074,7 +5152,7 @@
           </a:prstGeom>
         </p:spPr>
         <p:txBody>
-          <a:bodyPr anchor="t" rtlCol="false" tIns="0" lIns="0" bIns="0" rIns="0">
+          <a:bodyPr lIns="0" tIns="0" rIns="0" bIns="0" rtlCol="0" anchor="t">
             <a:spAutoFit/>
           </a:bodyPr>
           <a:lstStyle/>
@@ -5108,13 +5186,14 @@
 </file>
 
 <file path=ppt/slides/slide15.xml><?xml version="1.0" encoding="utf-8"?>
-<p:sld xmlns:p="http://schemas.openxmlformats.org/presentationml/2006/main" xmlns:a="http://schemas.openxmlformats.org/drawingml/2006/main">
+<p:sld xmlns:a="http://schemas.openxmlformats.org/drawingml/2006/main" xmlns:r="http://schemas.openxmlformats.org/officeDocument/2006/relationships" xmlns:p="http://schemas.openxmlformats.org/presentationml/2006/main">
   <p:cSld>
     <p:bg>
       <p:bgPr>
         <a:solidFill>
           <a:srgbClr val="F4F4F4"/>
         </a:solidFill>
+        <a:effectLst/>
       </p:bgPr>
     </p:bg>
     <p:spTree>
@@ -5133,12 +5212,12 @@
       </p:grpSpPr>
       <p:sp>
         <p:nvSpPr>
-          <p:cNvPr name="TextBox 2" id="2"/>
-          <p:cNvSpPr txBox="true"/>
-          <p:nvPr/>
-        </p:nvSpPr>
-        <p:spPr>
-          <a:xfrm rot="0">
+          <p:cNvPr id="2" name="TextBox 2"/>
+          <p:cNvSpPr txBox="1"/>
+          <p:nvPr/>
+        </p:nvSpPr>
+        <p:spPr>
+          <a:xfrm>
             <a:off x="1028700" y="4675981"/>
             <a:ext cx="16230600" cy="849312"/>
           </a:xfrm>
@@ -5147,7 +5226,7 @@
           </a:prstGeom>
         </p:spPr>
         <p:txBody>
-          <a:bodyPr anchor="t" rtlCol="false" tIns="0" lIns="0" bIns="0" rIns="0">
+          <a:bodyPr lIns="0" tIns="0" rIns="0" bIns="0" rtlCol="0" anchor="t">
             <a:spAutoFit/>
           </a:bodyPr>
           <a:lstStyle/>
@@ -5178,13 +5257,14 @@
 </file>
 
 <file path=ppt/slides/slide2.xml><?xml version="1.0" encoding="utf-8"?>
-<p:sld xmlns:p="http://schemas.openxmlformats.org/presentationml/2006/main" xmlns:a="http://schemas.openxmlformats.org/drawingml/2006/main">
+<p:sld xmlns:a="http://schemas.openxmlformats.org/drawingml/2006/main" xmlns:r="http://schemas.openxmlformats.org/officeDocument/2006/relationships" xmlns:p="http://schemas.openxmlformats.org/presentationml/2006/main">
   <p:cSld>
     <p:bg>
       <p:bgPr>
         <a:solidFill>
           <a:srgbClr val="F4F4F4"/>
         </a:solidFill>
+        <a:effectLst/>
       </p:bgPr>
     </p:bg>
     <p:spTree>
@@ -5203,12 +5283,12 @@
       </p:grpSpPr>
       <p:sp>
         <p:nvSpPr>
-          <p:cNvPr name="TextBox 2" id="2"/>
-          <p:cNvSpPr txBox="true"/>
-          <p:nvPr/>
-        </p:nvSpPr>
-        <p:spPr>
-          <a:xfrm rot="0">
+          <p:cNvPr id="2" name="TextBox 2"/>
+          <p:cNvSpPr txBox="1"/>
+          <p:nvPr/>
+        </p:nvSpPr>
+        <p:spPr>
+          <a:xfrm>
             <a:off x="1028700" y="943838"/>
             <a:ext cx="16230600" cy="849312"/>
           </a:xfrm>
@@ -5217,7 +5297,7 @@
           </a:prstGeom>
         </p:spPr>
         <p:txBody>
-          <a:bodyPr anchor="t" rtlCol="false" tIns="0" lIns="0" bIns="0" rIns="0">
+          <a:bodyPr lIns="0" tIns="0" rIns="0" bIns="0" rtlCol="0" anchor="t">
             <a:spAutoFit/>
           </a:bodyPr>
           <a:lstStyle/>
@@ -5241,12 +5321,12 @@
       </p:sp>
       <p:sp>
         <p:nvSpPr>
-          <p:cNvPr name="TextBox 3" id="3"/>
-          <p:cNvSpPr txBox="true"/>
-          <p:nvPr/>
-        </p:nvSpPr>
-        <p:spPr>
-          <a:xfrm rot="0">
+          <p:cNvPr id="3" name="TextBox 3"/>
+          <p:cNvSpPr txBox="1"/>
+          <p:nvPr/>
+        </p:nvSpPr>
+        <p:spPr>
+          <a:xfrm>
             <a:off x="1028700" y="3044079"/>
             <a:ext cx="16230600" cy="3692525"/>
           </a:xfrm>
@@ -5255,7 +5335,7 @@
           </a:prstGeom>
         </p:spPr>
         <p:txBody>
-          <a:bodyPr anchor="t" rtlCol="false" tIns="0" lIns="0" bIns="0" rIns="0">
+          <a:bodyPr lIns="0" tIns="0" rIns="0" bIns="0" rtlCol="0" anchor="t">
             <a:spAutoFit/>
           </a:bodyPr>
           <a:lstStyle/>
@@ -5281,6 +5361,12 @@
                 <a:spcPts val="4900"/>
               </a:lnSpc>
             </a:pPr>
+            <a:endParaRPr lang="en-US" sz="3500">
+              <a:solidFill>
+                <a:srgbClr val="404040"/>
+              </a:solidFill>
+              <a:latin typeface="Now"/>
+            </a:endParaRPr>
           </a:p>
           <a:p>
             <a:pPr algn="l">
@@ -5302,12 +5388,12 @@
       </p:sp>
       <p:sp>
         <p:nvSpPr>
-          <p:cNvPr name="TextBox 4" id="4"/>
-          <p:cNvSpPr txBox="true"/>
-          <p:nvPr/>
-        </p:nvSpPr>
-        <p:spPr>
-          <a:xfrm rot="0">
+          <p:cNvPr id="4" name="TextBox 4"/>
+          <p:cNvSpPr txBox="1"/>
+          <p:nvPr/>
+        </p:nvSpPr>
+        <p:spPr>
+          <a:xfrm>
             <a:off x="1028700" y="2071746"/>
             <a:ext cx="16230600" cy="684213"/>
           </a:xfrm>
@@ -5316,7 +5402,7 @@
           </a:prstGeom>
         </p:spPr>
         <p:txBody>
-          <a:bodyPr anchor="t" rtlCol="false" tIns="0" lIns="0" bIns="0" rIns="0">
+          <a:bodyPr lIns="0" tIns="0" rIns="0" bIns="0" rtlCol="0" anchor="t">
             <a:spAutoFit/>
           </a:bodyPr>
           <a:lstStyle/>
@@ -5347,13 +5433,14 @@
 </file>
 
 <file path=ppt/slides/slide3.xml><?xml version="1.0" encoding="utf-8"?>
-<p:sld xmlns:p="http://schemas.openxmlformats.org/presentationml/2006/main" xmlns:a="http://schemas.openxmlformats.org/drawingml/2006/main">
+<p:sld xmlns:a="http://schemas.openxmlformats.org/drawingml/2006/main" xmlns:r="http://schemas.openxmlformats.org/officeDocument/2006/relationships" xmlns:p="http://schemas.openxmlformats.org/presentationml/2006/main">
   <p:cSld>
     <p:bg>
       <p:bgPr>
         <a:solidFill>
           <a:srgbClr val="F4F4F4"/>
         </a:solidFill>
+        <a:effectLst/>
       </p:bgPr>
     </p:bg>
     <p:spTree>
@@ -5372,12 +5459,12 @@
       </p:grpSpPr>
       <p:sp>
         <p:nvSpPr>
-          <p:cNvPr name="TextBox 2" id="2"/>
-          <p:cNvSpPr txBox="true"/>
-          <p:nvPr/>
-        </p:nvSpPr>
-        <p:spPr>
-          <a:xfrm rot="0">
+          <p:cNvPr id="2" name="TextBox 2"/>
+          <p:cNvSpPr txBox="1"/>
+          <p:nvPr/>
+        </p:nvSpPr>
+        <p:spPr>
+          <a:xfrm>
             <a:off x="1028700" y="942975"/>
             <a:ext cx="16230600" cy="849312"/>
           </a:xfrm>
@@ -5386,7 +5473,7 @@
           </a:prstGeom>
         </p:spPr>
         <p:txBody>
-          <a:bodyPr anchor="t" rtlCol="false" tIns="0" lIns="0" bIns="0" rIns="0">
+          <a:bodyPr lIns="0" tIns="0" rIns="0" bIns="0" rtlCol="0" anchor="t">
             <a:spAutoFit/>
           </a:bodyPr>
           <a:lstStyle/>
@@ -5410,12 +5497,12 @@
       </p:sp>
       <p:sp>
         <p:nvSpPr>
-          <p:cNvPr name="TextBox 3" id="3"/>
-          <p:cNvSpPr txBox="true"/>
-          <p:nvPr/>
-        </p:nvSpPr>
-        <p:spPr>
-          <a:xfrm rot="0">
+          <p:cNvPr id="3" name="TextBox 3"/>
+          <p:cNvSpPr txBox="1"/>
+          <p:nvPr/>
+        </p:nvSpPr>
+        <p:spPr>
+          <a:xfrm>
             <a:off x="1028700" y="2186467"/>
             <a:ext cx="16230600" cy="684213"/>
           </a:xfrm>
@@ -5424,7 +5511,7 @@
           </a:prstGeom>
         </p:spPr>
         <p:txBody>
-          <a:bodyPr anchor="t" rtlCol="false" tIns="0" lIns="0" bIns="0" rIns="0">
+          <a:bodyPr lIns="0" tIns="0" rIns="0" bIns="0" rtlCol="0" anchor="t">
             <a:spAutoFit/>
           </a:bodyPr>
           <a:lstStyle/>
@@ -5448,12 +5535,12 @@
       </p:sp>
       <p:sp>
         <p:nvSpPr>
-          <p:cNvPr name="TextBox 4" id="4"/>
-          <p:cNvSpPr txBox="true"/>
-          <p:nvPr/>
-        </p:nvSpPr>
-        <p:spPr>
-          <a:xfrm rot="0">
+          <p:cNvPr id="4" name="TextBox 4"/>
+          <p:cNvSpPr txBox="1"/>
+          <p:nvPr/>
+        </p:nvSpPr>
+        <p:spPr>
+          <a:xfrm>
             <a:off x="1028700" y="3023080"/>
             <a:ext cx="16230600" cy="2454275"/>
           </a:xfrm>
@@ -5462,7 +5549,7 @@
           </a:prstGeom>
         </p:spPr>
         <p:txBody>
-          <a:bodyPr anchor="t" rtlCol="false" tIns="0" lIns="0" bIns="0" rIns="0">
+          <a:bodyPr lIns="0" tIns="0" rIns="0" bIns="0" rtlCol="0" anchor="t">
             <a:spAutoFit/>
           </a:bodyPr>
           <a:lstStyle/>
@@ -5486,12 +5573,12 @@
       </p:sp>
       <p:sp>
         <p:nvSpPr>
-          <p:cNvPr name="TextBox 5" id="5"/>
-          <p:cNvSpPr txBox="true"/>
-          <p:nvPr/>
-        </p:nvSpPr>
-        <p:spPr>
-          <a:xfrm rot="0">
+          <p:cNvPr id="5" name="TextBox 5"/>
+          <p:cNvSpPr txBox="1"/>
+          <p:nvPr/>
+        </p:nvSpPr>
+        <p:spPr>
+          <a:xfrm>
             <a:off x="1028700" y="5925030"/>
             <a:ext cx="16230600" cy="684213"/>
           </a:xfrm>
@@ -5500,7 +5587,7 @@
           </a:prstGeom>
         </p:spPr>
         <p:txBody>
-          <a:bodyPr anchor="t" rtlCol="false" tIns="0" lIns="0" bIns="0" rIns="0">
+          <a:bodyPr lIns="0" tIns="0" rIns="0" bIns="0" rtlCol="0" anchor="t">
             <a:spAutoFit/>
           </a:bodyPr>
           <a:lstStyle/>
@@ -5524,12 +5611,12 @@
       </p:sp>
       <p:sp>
         <p:nvSpPr>
-          <p:cNvPr name="TextBox 6" id="6"/>
-          <p:cNvSpPr txBox="true"/>
-          <p:nvPr/>
-        </p:nvSpPr>
-        <p:spPr>
-          <a:xfrm rot="0">
+          <p:cNvPr id="6" name="TextBox 6"/>
+          <p:cNvSpPr txBox="1"/>
+          <p:nvPr/>
+        </p:nvSpPr>
+        <p:spPr>
+          <a:xfrm>
             <a:off x="1028700" y="6761642"/>
             <a:ext cx="16230600" cy="1835150"/>
           </a:xfrm>
@@ -5538,7 +5625,7 @@
           </a:prstGeom>
         </p:spPr>
         <p:txBody>
-          <a:bodyPr anchor="t" rtlCol="false" tIns="0" lIns="0" bIns="0" rIns="0">
+          <a:bodyPr lIns="0" tIns="0" rIns="0" bIns="0" rtlCol="0" anchor="t">
             <a:spAutoFit/>
           </a:bodyPr>
           <a:lstStyle/>
@@ -5569,13 +5656,14 @@
 </file>
 
 <file path=ppt/slides/slide4.xml><?xml version="1.0" encoding="utf-8"?>
-<p:sld xmlns:p="http://schemas.openxmlformats.org/presentationml/2006/main" xmlns:a="http://schemas.openxmlformats.org/drawingml/2006/main">
+<p:sld xmlns:a="http://schemas.openxmlformats.org/drawingml/2006/main" xmlns:r="http://schemas.openxmlformats.org/officeDocument/2006/relationships" xmlns:p="http://schemas.openxmlformats.org/presentationml/2006/main">
   <p:cSld>
     <p:bg>
       <p:bgPr>
         <a:solidFill>
           <a:srgbClr val="F4F4F4"/>
         </a:solidFill>
+        <a:effectLst/>
       </p:bgPr>
     </p:bg>
     <p:spTree>
@@ -5594,12 +5682,12 @@
       </p:grpSpPr>
       <p:sp>
         <p:nvSpPr>
-          <p:cNvPr name="TextBox 2" id="2"/>
-          <p:cNvSpPr txBox="true"/>
-          <p:nvPr/>
-        </p:nvSpPr>
-        <p:spPr>
-          <a:xfrm rot="0">
+          <p:cNvPr id="2" name="TextBox 2"/>
+          <p:cNvSpPr txBox="1"/>
+          <p:nvPr/>
+        </p:nvSpPr>
+        <p:spPr>
+          <a:xfrm>
             <a:off x="1028700" y="942975"/>
             <a:ext cx="16230600" cy="849312"/>
           </a:xfrm>
@@ -5608,7 +5696,7 @@
           </a:prstGeom>
         </p:spPr>
         <p:txBody>
-          <a:bodyPr anchor="t" rtlCol="false" tIns="0" lIns="0" bIns="0" rIns="0">
+          <a:bodyPr lIns="0" tIns="0" rIns="0" bIns="0" rtlCol="0" anchor="t">
             <a:spAutoFit/>
           </a:bodyPr>
           <a:lstStyle/>
@@ -5632,12 +5720,12 @@
       </p:sp>
       <p:sp>
         <p:nvSpPr>
-          <p:cNvPr name="TextBox 3" id="3"/>
-          <p:cNvSpPr txBox="true"/>
-          <p:nvPr/>
-        </p:nvSpPr>
-        <p:spPr>
-          <a:xfrm rot="0">
+          <p:cNvPr id="3" name="TextBox 3"/>
+          <p:cNvSpPr txBox="1"/>
+          <p:nvPr/>
+        </p:nvSpPr>
+        <p:spPr>
+          <a:xfrm>
             <a:off x="1028700" y="2011976"/>
             <a:ext cx="16230600" cy="684213"/>
           </a:xfrm>
@@ -5646,7 +5734,7 @@
           </a:prstGeom>
         </p:spPr>
         <p:txBody>
-          <a:bodyPr anchor="t" rtlCol="false" tIns="0" lIns="0" bIns="0" rIns="0">
+          <a:bodyPr lIns="0" tIns="0" rIns="0" bIns="0" rtlCol="0" anchor="t">
             <a:spAutoFit/>
           </a:bodyPr>
           <a:lstStyle/>
@@ -5670,12 +5758,12 @@
       </p:sp>
       <p:sp>
         <p:nvSpPr>
-          <p:cNvPr name="TextBox 4" id="4"/>
-          <p:cNvSpPr txBox="true"/>
-          <p:nvPr/>
-        </p:nvSpPr>
-        <p:spPr>
-          <a:xfrm rot="0">
+          <p:cNvPr id="4" name="TextBox 4"/>
+          <p:cNvSpPr txBox="1"/>
+          <p:nvPr/>
+        </p:nvSpPr>
+        <p:spPr>
+          <a:xfrm>
             <a:off x="1028700" y="2721949"/>
             <a:ext cx="16230600" cy="2454275"/>
           </a:xfrm>
@@ -5684,12 +5772,12 @@
           </a:prstGeom>
         </p:spPr>
         <p:txBody>
-          <a:bodyPr anchor="t" rtlCol="false" tIns="0" lIns="0" bIns="0" rIns="0">
+          <a:bodyPr lIns="0" tIns="0" rIns="0" bIns="0" rtlCol="0" anchor="t">
             <a:spAutoFit/>
           </a:bodyPr>
           <a:lstStyle/>
           <a:p>
-            <a:pPr algn="l" marL="0" indent="0" lvl="0">
+            <a:pPr marL="0" lvl="0" indent="0" algn="l">
               <a:lnSpc>
                 <a:spcPts val="4900"/>
               </a:lnSpc>
@@ -5698,7 +5786,7 @@
               </a:spcBef>
             </a:pPr>
             <a:r>
-              <a:rPr lang="en-US" sz="3500">
+              <a:rPr lang="en-US" sz="3500" dirty="0">
                 <a:solidFill>
                   <a:srgbClr val="404040"/>
                 </a:solidFill>
@@ -5707,17 +5795,35 @@
               <a:t>Jason is</a:t>
             </a:r>
             <a:r>
-              <a:rPr lang="en-US" sz="3500" strike="noStrike" u="none">
+              <a:rPr lang="en-US" sz="3500" u="none" strike="noStrike" dirty="0">
                 <a:solidFill>
                   <a:srgbClr val="404040"/>
                 </a:solidFill>
                 <a:latin typeface="Now"/>
               </a:rPr>
-              <a:t> an interpreter for an extended version of AgentSpeak. </a:t>
-            </a:r>
-          </a:p>
-          <a:p>
-            <a:pPr algn="l" marL="0" indent="0" lvl="0">
+              <a:t> an interpreter for an extended version of </a:t>
+            </a:r>
+            <a:r>
+              <a:rPr lang="en-US" sz="3500" u="none" strike="noStrike" dirty="0" err="1">
+                <a:solidFill>
+                  <a:srgbClr val="404040"/>
+                </a:solidFill>
+                <a:latin typeface="Now"/>
+              </a:rPr>
+              <a:t>AgentSpeak</a:t>
+            </a:r>
+            <a:r>
+              <a:rPr lang="en-US" sz="3500" u="none" strike="noStrike" dirty="0">
+                <a:solidFill>
+                  <a:srgbClr val="404040"/>
+                </a:solidFill>
+                <a:latin typeface="Now"/>
+              </a:rPr>
+              <a:t>. </a:t>
+            </a:r>
+          </a:p>
+          <a:p>
+            <a:pPr marL="0" lvl="0" indent="0" algn="l">
               <a:lnSpc>
                 <a:spcPts val="4900"/>
               </a:lnSpc>
@@ -5726,7 +5832,7 @@
               </a:spcBef>
             </a:pPr>
             <a:r>
-              <a:rPr lang="en-US" sz="3500" strike="noStrike" u="none">
+              <a:rPr lang="en-US" sz="3500" u="none" strike="noStrike" dirty="0">
                 <a:solidFill>
                   <a:srgbClr val="404040"/>
                 </a:solidFill>
@@ -5739,12 +5845,12 @@
       </p:sp>
       <p:sp>
         <p:nvSpPr>
-          <p:cNvPr name="TextBox 5" id="5"/>
-          <p:cNvSpPr txBox="true"/>
-          <p:nvPr/>
-        </p:nvSpPr>
-        <p:spPr>
-          <a:xfrm rot="0">
+          <p:cNvPr id="5" name="TextBox 5"/>
+          <p:cNvSpPr txBox="1"/>
+          <p:nvPr/>
+        </p:nvSpPr>
+        <p:spPr>
+          <a:xfrm>
             <a:off x="1028700" y="5395912"/>
             <a:ext cx="16230600" cy="684213"/>
           </a:xfrm>
@@ -5753,7 +5859,7 @@
           </a:prstGeom>
         </p:spPr>
         <p:txBody>
-          <a:bodyPr anchor="t" rtlCol="false" tIns="0" lIns="0" bIns="0" rIns="0">
+          <a:bodyPr lIns="0" tIns="0" rIns="0" bIns="0" rtlCol="0" anchor="t">
             <a:spAutoFit/>
           </a:bodyPr>
           <a:lstStyle/>
@@ -5777,12 +5883,12 @@
       </p:sp>
       <p:sp>
         <p:nvSpPr>
-          <p:cNvPr name="TextBox 6" id="6"/>
-          <p:cNvSpPr txBox="true"/>
-          <p:nvPr/>
-        </p:nvSpPr>
-        <p:spPr>
-          <a:xfrm rot="0">
+          <p:cNvPr id="6" name="TextBox 6"/>
+          <p:cNvSpPr txBox="1"/>
+          <p:nvPr/>
+        </p:nvSpPr>
+        <p:spPr>
+          <a:xfrm>
             <a:off x="1028700" y="6184900"/>
             <a:ext cx="16230600" cy="3692525"/>
           </a:xfrm>
@@ -5791,12 +5897,12 @@
           </a:prstGeom>
         </p:spPr>
         <p:txBody>
-          <a:bodyPr anchor="t" rtlCol="false" tIns="0" lIns="0" bIns="0" rIns="0">
+          <a:bodyPr lIns="0" tIns="0" rIns="0" bIns="0" rtlCol="0" anchor="t">
             <a:spAutoFit/>
           </a:bodyPr>
           <a:lstStyle/>
           <a:p>
-            <a:pPr algn="l" marL="0" indent="0" lvl="0">
+            <a:pPr marL="0" lvl="0" indent="0" algn="l">
               <a:lnSpc>
                 <a:spcPts val="4900"/>
               </a:lnSpc>
@@ -5805,13 +5911,85 @@
               </a:spcBef>
             </a:pPr>
             <a:r>
-              <a:rPr lang="en-US" sz="3500">
+              <a:rPr lang="en-US" sz="3500" dirty="0">
                 <a:solidFill>
                   <a:srgbClr val="404040"/>
                 </a:solidFill>
                 <a:latin typeface="Now"/>
               </a:rPr>
-              <a:t>Enhances Jason capabilities with the possibility of integrate and extend functionalities of the MAS. Allows for the dynamic addition of percepts to agents as they navigate the city environment, and supports the development of core system components (CityEnvironment, CityModel and CityView java classes), of internal actions and visual representation of the environement.</a:t>
+              <a:t>Enhances Jason capabilities with the possibility of integrate and extend functionalities of the MAS. Allows for the dynamic addition of percepts to agents as they navigate the city environment, and supports the development of core system components (</a:t>
+            </a:r>
+            <a:r>
+              <a:rPr lang="en-US" sz="3500" dirty="0" err="1">
+                <a:solidFill>
+                  <a:srgbClr val="404040"/>
+                </a:solidFill>
+                <a:latin typeface="Now"/>
+              </a:rPr>
+              <a:t>CityEnvironment</a:t>
+            </a:r>
+            <a:r>
+              <a:rPr lang="en-US" sz="3500" dirty="0">
+                <a:solidFill>
+                  <a:srgbClr val="404040"/>
+                </a:solidFill>
+                <a:latin typeface="Now"/>
+              </a:rPr>
+              <a:t>, </a:t>
+            </a:r>
+            <a:r>
+              <a:rPr lang="en-US" sz="3500" dirty="0" err="1">
+                <a:solidFill>
+                  <a:srgbClr val="404040"/>
+                </a:solidFill>
+                <a:latin typeface="Now"/>
+              </a:rPr>
+              <a:t>CityModel</a:t>
+            </a:r>
+            <a:r>
+              <a:rPr lang="en-US" sz="3500" dirty="0">
+                <a:solidFill>
+                  <a:srgbClr val="404040"/>
+                </a:solidFill>
+                <a:latin typeface="Now"/>
+              </a:rPr>
+              <a:t> and </a:t>
+            </a:r>
+            <a:r>
+              <a:rPr lang="en-US" sz="3500" dirty="0" err="1">
+                <a:solidFill>
+                  <a:srgbClr val="404040"/>
+                </a:solidFill>
+                <a:latin typeface="Now"/>
+              </a:rPr>
+              <a:t>CityView</a:t>
+            </a:r>
+            <a:r>
+              <a:rPr lang="en-US" sz="3500" dirty="0">
+                <a:solidFill>
+                  <a:srgbClr val="404040"/>
+                </a:solidFill>
+                <a:latin typeface="Now"/>
+              </a:rPr>
+              <a:t> java classes), of internal actions and visual representation of the </a:t>
+            </a:r>
+            <a:r>
+              <a:rPr lang="en-US" sz="3500" dirty="0" err="1">
+                <a:solidFill>
+                  <a:srgbClr val="404040"/>
+                </a:solidFill>
+                <a:latin typeface="Now"/>
+              </a:rPr>
+              <a:t>environement</a:t>
+            </a:r>
+            <a:r>
+              <a:rPr lang="en-US" sz="3500" dirty="0">
+                <a:solidFill>
+                  <a:srgbClr val="404040"/>
+                </a:solidFill>
+                <a:latin typeface="Now"/>
+              </a:rPr>
+              <a:t>.</a:t>
             </a:r>
           </a:p>
         </p:txBody>
@@ -5825,13 +6003,14 @@
 </file>
 
 <file path=ppt/slides/slide5.xml><?xml version="1.0" encoding="utf-8"?>
-<p:sld xmlns:p="http://schemas.openxmlformats.org/presentationml/2006/main" xmlns:a="http://schemas.openxmlformats.org/drawingml/2006/main">
+<p:sld xmlns:a="http://schemas.openxmlformats.org/drawingml/2006/main" xmlns:r="http://schemas.openxmlformats.org/officeDocument/2006/relationships" xmlns:p="http://schemas.openxmlformats.org/presentationml/2006/main">
   <p:cSld>
     <p:bg>
       <p:bgPr>
         <a:solidFill>
           <a:srgbClr val="F4F4F4"/>
         </a:solidFill>
+        <a:effectLst/>
       </p:bgPr>
     </p:bg>
     <p:spTree>
@@ -5850,12 +6029,12 @@
       </p:grpSpPr>
       <p:sp>
         <p:nvSpPr>
-          <p:cNvPr name="TextBox 2" id="2"/>
-          <p:cNvSpPr txBox="true"/>
-          <p:nvPr/>
-        </p:nvSpPr>
-        <p:spPr>
-          <a:xfrm rot="0">
+          <p:cNvPr id="2" name="TextBox 2"/>
+          <p:cNvSpPr txBox="1"/>
+          <p:nvPr/>
+        </p:nvSpPr>
+        <p:spPr>
+          <a:xfrm>
             <a:off x="1028700" y="941179"/>
             <a:ext cx="16230600" cy="849312"/>
           </a:xfrm>
@@ -5864,7 +6043,7 @@
           </a:prstGeom>
         </p:spPr>
         <p:txBody>
-          <a:bodyPr anchor="t" rtlCol="false" tIns="0" lIns="0" bIns="0" rIns="0">
+          <a:bodyPr lIns="0" tIns="0" rIns="0" bIns="0" rtlCol="0" anchor="t">
             <a:spAutoFit/>
           </a:bodyPr>
           <a:lstStyle/>
@@ -5888,12 +6067,12 @@
       </p:sp>
       <p:sp>
         <p:nvSpPr>
-          <p:cNvPr name="TextBox 3" id="3"/>
-          <p:cNvSpPr txBox="true"/>
-          <p:nvPr/>
-        </p:nvSpPr>
-        <p:spPr>
-          <a:xfrm rot="0">
+          <p:cNvPr id="3" name="TextBox 3"/>
+          <p:cNvSpPr txBox="1"/>
+          <p:nvPr/>
+        </p:nvSpPr>
+        <p:spPr>
+          <a:xfrm>
             <a:off x="1028700" y="2047666"/>
             <a:ext cx="16230600" cy="684213"/>
           </a:xfrm>
@@ -5902,7 +6081,7 @@
           </a:prstGeom>
         </p:spPr>
         <p:txBody>
-          <a:bodyPr anchor="t" rtlCol="false" tIns="0" lIns="0" bIns="0" rIns="0">
+          <a:bodyPr lIns="0" tIns="0" rIns="0" bIns="0" rtlCol="0" anchor="t">
             <a:spAutoFit/>
           </a:bodyPr>
           <a:lstStyle/>
@@ -5926,12 +6105,12 @@
       </p:sp>
       <p:sp>
         <p:nvSpPr>
-          <p:cNvPr name="TextBox 4" id="4"/>
-          <p:cNvSpPr txBox="true"/>
-          <p:nvPr/>
-        </p:nvSpPr>
-        <p:spPr>
-          <a:xfrm rot="0">
+          <p:cNvPr id="4" name="TextBox 4"/>
+          <p:cNvSpPr txBox="1"/>
+          <p:nvPr/>
+        </p:nvSpPr>
+        <p:spPr>
+          <a:xfrm>
             <a:off x="1028700" y="2998579"/>
             <a:ext cx="16230600" cy="4930775"/>
           </a:xfrm>
@@ -5940,7 +6119,7 @@
           </a:prstGeom>
         </p:spPr>
         <p:txBody>
-          <a:bodyPr anchor="t" rtlCol="false" tIns="0" lIns="0" bIns="0" rIns="0">
+          <a:bodyPr lIns="0" tIns="0" rIns="0" bIns="0" rtlCol="0" anchor="t">
             <a:spAutoFit/>
           </a:bodyPr>
           <a:lstStyle/>
@@ -5966,9 +6145,15 @@
                 <a:spcPts val="4900"/>
               </a:lnSpc>
             </a:pPr>
-          </a:p>
-          <a:p>
-            <a:pPr algn="l" marL="755651" indent="-377825" lvl="1">
+            <a:endParaRPr lang="en-US" sz="3500">
+              <a:solidFill>
+                <a:srgbClr val="404040"/>
+              </a:solidFill>
+              <a:latin typeface="Now"/>
+            </a:endParaRPr>
+          </a:p>
+          <a:p>
+            <a:pPr marL="755651" lvl="1" indent="-377825" algn="l">
               <a:lnSpc>
                 <a:spcPts val="4900"/>
               </a:lnSpc>
@@ -5986,7 +6171,7 @@
             </a:r>
           </a:p>
           <a:p>
-            <a:pPr algn="l" marL="755651" indent="-377825" lvl="1">
+            <a:pPr marL="755651" lvl="1" indent="-377825" algn="l">
               <a:lnSpc>
                 <a:spcPts val="4900"/>
               </a:lnSpc>
@@ -6004,7 +6189,7 @@
             </a:r>
           </a:p>
           <a:p>
-            <a:pPr algn="l" marL="755651" indent="-377825" lvl="1">
+            <a:pPr marL="755651" lvl="1" indent="-377825" algn="l">
               <a:lnSpc>
                 <a:spcPts val="4900"/>
               </a:lnSpc>
@@ -6035,13 +6220,14 @@
 </file>
 
 <file path=ppt/slides/slide6.xml><?xml version="1.0" encoding="utf-8"?>
-<p:sld xmlns:p="http://schemas.openxmlformats.org/presentationml/2006/main" xmlns:a="http://schemas.openxmlformats.org/drawingml/2006/main">
+<p:sld xmlns:a="http://schemas.openxmlformats.org/drawingml/2006/main" xmlns:r="http://schemas.openxmlformats.org/officeDocument/2006/relationships" xmlns:p="http://schemas.openxmlformats.org/presentationml/2006/main">
   <p:cSld>
     <p:bg>
       <p:bgPr>
         <a:solidFill>
           <a:srgbClr val="F4F4F4"/>
         </a:solidFill>
+        <a:effectLst/>
       </p:bgPr>
     </p:bg>
     <p:spTree>
@@ -6060,12 +6246,12 @@
       </p:grpSpPr>
       <p:sp>
         <p:nvSpPr>
-          <p:cNvPr name="TextBox 2" id="2"/>
-          <p:cNvSpPr txBox="true"/>
-          <p:nvPr/>
-        </p:nvSpPr>
-        <p:spPr>
-          <a:xfrm rot="0">
+          <p:cNvPr id="2" name="TextBox 2"/>
+          <p:cNvSpPr txBox="1"/>
+          <p:nvPr/>
+        </p:nvSpPr>
+        <p:spPr>
+          <a:xfrm>
             <a:off x="1028700" y="561181"/>
             <a:ext cx="16230600" cy="849312"/>
           </a:xfrm>
@@ -6074,7 +6260,7 @@
           </a:prstGeom>
         </p:spPr>
         <p:txBody>
-          <a:bodyPr anchor="t" rtlCol="false" tIns="0" lIns="0" bIns="0" rIns="0">
+          <a:bodyPr lIns="0" tIns="0" rIns="0" bIns="0" rtlCol="0" anchor="t">
             <a:spAutoFit/>
           </a:bodyPr>
           <a:lstStyle/>
@@ -6098,12 +6284,12 @@
       </p:sp>
       <p:sp>
         <p:nvSpPr>
-          <p:cNvPr name="TextBox 3" id="3"/>
-          <p:cNvSpPr txBox="true"/>
-          <p:nvPr/>
-        </p:nvSpPr>
-        <p:spPr>
-          <a:xfrm rot="0">
+          <p:cNvPr id="3" name="TextBox 3"/>
+          <p:cNvSpPr txBox="1"/>
+          <p:nvPr/>
+        </p:nvSpPr>
+        <p:spPr>
+          <a:xfrm>
             <a:off x="1028700" y="1934766"/>
             <a:ext cx="16230600" cy="684213"/>
           </a:xfrm>
@@ -6112,7 +6298,7 @@
           </a:prstGeom>
         </p:spPr>
         <p:txBody>
-          <a:bodyPr anchor="t" rtlCol="false" tIns="0" lIns="0" bIns="0" rIns="0">
+          <a:bodyPr lIns="0" tIns="0" rIns="0" bIns="0" rtlCol="0" anchor="t">
             <a:spAutoFit/>
           </a:bodyPr>
           <a:lstStyle/>
@@ -6136,12 +6322,12 @@
       </p:sp>
       <p:sp>
         <p:nvSpPr>
-          <p:cNvPr name="TextBox 4" id="4"/>
-          <p:cNvSpPr txBox="true"/>
-          <p:nvPr/>
-        </p:nvSpPr>
-        <p:spPr>
-          <a:xfrm rot="0">
+          <p:cNvPr id="4" name="TextBox 4"/>
+          <p:cNvSpPr txBox="1"/>
+          <p:nvPr/>
+        </p:nvSpPr>
+        <p:spPr>
+          <a:xfrm>
             <a:off x="1028700" y="2718991"/>
             <a:ext cx="16230600" cy="1216025"/>
           </a:xfrm>
@@ -6150,7 +6336,7 @@
           </a:prstGeom>
         </p:spPr>
         <p:txBody>
-          <a:bodyPr anchor="t" rtlCol="false" tIns="0" lIns="0" bIns="0" rIns="0">
+          <a:bodyPr lIns="0" tIns="0" rIns="0" bIns="0" rtlCol="0" anchor="t">
             <a:spAutoFit/>
           </a:bodyPr>
           <a:lstStyle/>
@@ -6177,12 +6363,12 @@
       </p:sp>
       <p:sp>
         <p:nvSpPr>
-          <p:cNvPr name="TextBox 5" id="5"/>
-          <p:cNvSpPr txBox="true"/>
-          <p:nvPr/>
-        </p:nvSpPr>
-        <p:spPr>
-          <a:xfrm rot="0">
+          <p:cNvPr id="5" name="TextBox 5"/>
+          <p:cNvSpPr txBox="1"/>
+          <p:nvPr/>
+        </p:nvSpPr>
+        <p:spPr>
+          <a:xfrm>
             <a:off x="1028700" y="4459287"/>
             <a:ext cx="16230600" cy="684213"/>
           </a:xfrm>
@@ -6191,7 +6377,7 @@
           </a:prstGeom>
         </p:spPr>
         <p:txBody>
-          <a:bodyPr anchor="t" rtlCol="false" tIns="0" lIns="0" bIns="0" rIns="0">
+          <a:bodyPr lIns="0" tIns="0" rIns="0" bIns="0" rtlCol="0" anchor="t">
             <a:spAutoFit/>
           </a:bodyPr>
           <a:lstStyle/>
@@ -6215,12 +6401,12 @@
       </p:sp>
       <p:sp>
         <p:nvSpPr>
-          <p:cNvPr name="TextBox 6" id="6"/>
-          <p:cNvSpPr txBox="true"/>
-          <p:nvPr/>
-        </p:nvSpPr>
-        <p:spPr>
-          <a:xfrm rot="0">
+          <p:cNvPr id="6" name="TextBox 6"/>
+          <p:cNvSpPr txBox="1"/>
+          <p:nvPr/>
+        </p:nvSpPr>
+        <p:spPr>
+          <a:xfrm>
             <a:off x="1028700" y="5248275"/>
             <a:ext cx="16230600" cy="1216025"/>
           </a:xfrm>
@@ -6229,12 +6415,12 @@
           </a:prstGeom>
         </p:spPr>
         <p:txBody>
-          <a:bodyPr anchor="t" rtlCol="false" tIns="0" lIns="0" bIns="0" rIns="0">
+          <a:bodyPr lIns="0" tIns="0" rIns="0" bIns="0" rtlCol="0" anchor="t">
             <a:spAutoFit/>
           </a:bodyPr>
           <a:lstStyle/>
           <a:p>
-            <a:pPr algn="l" marL="0" indent="0" lvl="0">
+            <a:pPr marL="0" lvl="0" indent="0" algn="l">
               <a:lnSpc>
                 <a:spcPts val="4900"/>
               </a:lnSpc>
@@ -6252,7 +6438,7 @@
               <a:t>R</a:t>
             </a:r>
             <a:r>
-              <a:rPr lang="en-US" sz="3500" strike="noStrike" u="none">
+              <a:rPr lang="en-US" sz="3500" u="none" strike="noStrike">
                 <a:solidFill>
                   <a:srgbClr val="404040"/>
                 </a:solidFill>
@@ -6265,12 +6451,12 @@
       </p:sp>
       <p:sp>
         <p:nvSpPr>
-          <p:cNvPr name="TextBox 7" id="7"/>
-          <p:cNvSpPr txBox="true"/>
-          <p:nvPr/>
-        </p:nvSpPr>
-        <p:spPr>
-          <a:xfrm rot="0">
+          <p:cNvPr id="7" name="TextBox 7"/>
+          <p:cNvSpPr txBox="1"/>
+          <p:nvPr/>
+        </p:nvSpPr>
+        <p:spPr>
+          <a:xfrm>
             <a:off x="1028700" y="6988175"/>
             <a:ext cx="16230600" cy="684213"/>
           </a:xfrm>
@@ -6279,7 +6465,7 @@
           </a:prstGeom>
         </p:spPr>
         <p:txBody>
-          <a:bodyPr anchor="t" rtlCol="false" tIns="0" lIns="0" bIns="0" rIns="0">
+          <a:bodyPr lIns="0" tIns="0" rIns="0" bIns="0" rtlCol="0" anchor="t">
             <a:spAutoFit/>
           </a:bodyPr>
           <a:lstStyle/>
@@ -6303,12 +6489,12 @@
       </p:sp>
       <p:sp>
         <p:nvSpPr>
-          <p:cNvPr name="TextBox 8" id="8"/>
-          <p:cNvSpPr txBox="true"/>
-          <p:nvPr/>
-        </p:nvSpPr>
-        <p:spPr>
-          <a:xfrm rot="0">
+          <p:cNvPr id="8" name="TextBox 8"/>
+          <p:cNvSpPr txBox="1"/>
+          <p:nvPr/>
+        </p:nvSpPr>
+        <p:spPr>
+          <a:xfrm>
             <a:off x="1028700" y="7777162"/>
             <a:ext cx="16230600" cy="1835150"/>
           </a:xfrm>
@@ -6317,12 +6503,12 @@
           </a:prstGeom>
         </p:spPr>
         <p:txBody>
-          <a:bodyPr anchor="t" rtlCol="false" tIns="0" lIns="0" bIns="0" rIns="0">
+          <a:bodyPr lIns="0" tIns="0" rIns="0" bIns="0" rtlCol="0" anchor="t">
             <a:spAutoFit/>
           </a:bodyPr>
           <a:lstStyle/>
           <a:p>
-            <a:pPr algn="l" marL="0" indent="0" lvl="0">
+            <a:pPr marL="0" lvl="0" indent="0" algn="l">
               <a:lnSpc>
                 <a:spcPts val="4900"/>
               </a:lnSpc>
@@ -6351,13 +6537,14 @@
 </file>
 
 <file path=ppt/slides/slide7.xml><?xml version="1.0" encoding="utf-8"?>
-<p:sld xmlns:p="http://schemas.openxmlformats.org/presentationml/2006/main" xmlns:a="http://schemas.openxmlformats.org/drawingml/2006/main" xmlns:r="http://schemas.openxmlformats.org/officeDocument/2006/relationships">
+<p:sld xmlns:a="http://schemas.openxmlformats.org/drawingml/2006/main" xmlns:r="http://schemas.openxmlformats.org/officeDocument/2006/relationships" xmlns:p="http://schemas.openxmlformats.org/presentationml/2006/main">
   <p:cSld>
     <p:bg>
       <p:bgPr>
         <a:solidFill>
           <a:srgbClr val="F4F4F4"/>
         </a:solidFill>
+        <a:effectLst/>
       </p:bgPr>
     </p:bg>
     <p:spTree>
@@ -6376,12 +6563,12 @@
       </p:grpSpPr>
       <p:sp>
         <p:nvSpPr>
-          <p:cNvPr name="Freeform 2" id="2"/>
+          <p:cNvPr id="2" name="Freeform 2"/>
           <p:cNvSpPr/>
           <p:nvPr/>
         </p:nvSpPr>
         <p:spPr>
-          <a:xfrm flipH="false" flipV="false" rot="0">
+          <a:xfrm>
             <a:off x="5441247" y="2209576"/>
             <a:ext cx="7405506" cy="7437198"/>
           </a:xfrm>
@@ -6390,9 +6577,9 @@
             <a:gdLst/>
             <a:ahLst/>
             <a:cxnLst/>
-            <a:rect r="r" b="b" t="t" l="l"/>
+            <a:rect l="l" t="t" r="r" b="b"/>
             <a:pathLst>
-              <a:path h="7437198" w="7405506">
+              <a:path w="7405506" h="7437198">
                 <a:moveTo>
                   <a:pt x="0" y="0"/>
                 </a:moveTo>
@@ -6415,19 +6602,26 @@
           <a:blipFill>
             <a:blip r:embed="rId2"/>
             <a:stretch>
-              <a:fillRect l="0" t="0" r="0" b="0"/>
+              <a:fillRect/>
             </a:stretch>
           </a:blipFill>
         </p:spPr>
-      </p:sp>
-      <p:sp>
-        <p:nvSpPr>
-          <p:cNvPr name="Freeform 3" id="3"/>
+        <p:txBody>
+          <a:bodyPr/>
+          <a:lstStyle/>
+          <a:p>
+            <a:endParaRPr lang="it-IT"/>
+          </a:p>
+        </p:txBody>
+      </p:sp>
+      <p:sp>
+        <p:nvSpPr>
+          <p:cNvPr id="3" name="Freeform 3"/>
           <p:cNvSpPr/>
           <p:nvPr/>
         </p:nvSpPr>
         <p:spPr>
-          <a:xfrm flipH="false" flipV="false" rot="0">
+          <a:xfrm>
             <a:off x="1025486" y="3861389"/>
             <a:ext cx="784646" cy="784646"/>
           </a:xfrm>
@@ -6436,9 +6630,9 @@
             <a:gdLst/>
             <a:ahLst/>
             <a:cxnLst/>
-            <a:rect r="r" b="b" t="t" l="l"/>
+            <a:rect l="l" t="t" r="r" b="b"/>
             <a:pathLst>
-              <a:path h="784646" w="784646">
+              <a:path w="784646" h="784646">
                 <a:moveTo>
                   <a:pt x="0" y="0"/>
                 </a:moveTo>
@@ -6461,19 +6655,26 @@
           <a:blipFill>
             <a:blip r:embed="rId3"/>
             <a:stretch>
-              <a:fillRect l="0" t="0" r="0" b="0"/>
+              <a:fillRect/>
             </a:stretch>
           </a:blipFill>
         </p:spPr>
-      </p:sp>
-      <p:sp>
-        <p:nvSpPr>
-          <p:cNvPr name="Freeform 4" id="4"/>
+        <p:txBody>
+          <a:bodyPr/>
+          <a:lstStyle/>
+          <a:p>
+            <a:endParaRPr lang="it-IT"/>
+          </a:p>
+        </p:txBody>
+      </p:sp>
+      <p:sp>
+        <p:nvSpPr>
+          <p:cNvPr id="4" name="Freeform 4"/>
           <p:cNvSpPr/>
           <p:nvPr/>
         </p:nvSpPr>
         <p:spPr>
-          <a:xfrm flipH="false" flipV="false" rot="0">
+          <a:xfrm>
             <a:off x="1031007" y="2705901"/>
             <a:ext cx="779125" cy="779125"/>
           </a:xfrm>
@@ -6482,9 +6683,9 @@
             <a:gdLst/>
             <a:ahLst/>
             <a:cxnLst/>
-            <a:rect r="r" b="b" t="t" l="l"/>
+            <a:rect l="l" t="t" r="r" b="b"/>
             <a:pathLst>
-              <a:path h="779125" w="779125">
+              <a:path w="779125" h="779125">
                 <a:moveTo>
                   <a:pt x="0" y="0"/>
                 </a:moveTo>
@@ -6507,19 +6708,26 @@
           <a:blipFill>
             <a:blip r:embed="rId4"/>
             <a:stretch>
-              <a:fillRect l="0" t="0" r="0" b="0"/>
+              <a:fillRect/>
             </a:stretch>
           </a:blipFill>
         </p:spPr>
-      </p:sp>
-      <p:sp>
-        <p:nvSpPr>
-          <p:cNvPr name="Freeform 5" id="5"/>
+        <p:txBody>
+          <a:bodyPr/>
+          <a:lstStyle/>
+          <a:p>
+            <a:endParaRPr lang="it-IT"/>
+          </a:p>
+        </p:txBody>
+      </p:sp>
+      <p:sp>
+        <p:nvSpPr>
+          <p:cNvPr id="5" name="Freeform 5"/>
           <p:cNvSpPr/>
           <p:nvPr/>
         </p:nvSpPr>
         <p:spPr>
-          <a:xfrm flipH="false" flipV="false" rot="0">
+          <a:xfrm>
             <a:off x="13239613" y="2730699"/>
             <a:ext cx="784646" cy="784646"/>
           </a:xfrm>
@@ -6528,9 +6736,9 @@
             <a:gdLst/>
             <a:ahLst/>
             <a:cxnLst/>
-            <a:rect r="r" b="b" t="t" l="l"/>
+            <a:rect l="l" t="t" r="r" b="b"/>
             <a:pathLst>
-              <a:path h="784646" w="784646">
+              <a:path w="784646" h="784646">
                 <a:moveTo>
                   <a:pt x="0" y="0"/>
                 </a:moveTo>
@@ -6553,19 +6761,26 @@
           <a:blipFill>
             <a:blip r:embed="rId5"/>
             <a:stretch>
-              <a:fillRect l="0" t="0" r="0" b="0"/>
+              <a:fillRect/>
             </a:stretch>
           </a:blipFill>
         </p:spPr>
-      </p:sp>
-      <p:sp>
-        <p:nvSpPr>
-          <p:cNvPr name="Freeform 6" id="6"/>
+        <p:txBody>
+          <a:bodyPr/>
+          <a:lstStyle/>
+          <a:p>
+            <a:endParaRPr lang="it-IT"/>
+          </a:p>
+        </p:txBody>
+      </p:sp>
+      <p:sp>
+        <p:nvSpPr>
+          <p:cNvPr id="6" name="Freeform 6"/>
           <p:cNvSpPr/>
           <p:nvPr/>
         </p:nvSpPr>
         <p:spPr>
-          <a:xfrm flipH="false" flipV="false" rot="0">
+          <a:xfrm>
             <a:off x="13239613" y="6325034"/>
             <a:ext cx="784646" cy="784646"/>
           </a:xfrm>
@@ -6574,9 +6789,9 @@
             <a:gdLst/>
             <a:ahLst/>
             <a:cxnLst/>
-            <a:rect r="r" b="b" t="t" l="l"/>
+            <a:rect l="l" t="t" r="r" b="b"/>
             <a:pathLst>
-              <a:path h="784646" w="784646">
+              <a:path w="784646" h="784646">
                 <a:moveTo>
                   <a:pt x="0" y="0"/>
                 </a:moveTo>
@@ -6599,19 +6814,26 @@
           <a:blipFill>
             <a:blip r:embed="rId6"/>
             <a:stretch>
-              <a:fillRect l="0" t="0" r="0" b="0"/>
+              <a:fillRect/>
             </a:stretch>
           </a:blipFill>
         </p:spPr>
-      </p:sp>
-      <p:sp>
-        <p:nvSpPr>
-          <p:cNvPr name="Freeform 7" id="7"/>
+        <p:txBody>
+          <a:bodyPr/>
+          <a:lstStyle/>
+          <a:p>
+            <a:endParaRPr lang="it-IT"/>
+          </a:p>
+        </p:txBody>
+      </p:sp>
+      <p:sp>
+        <p:nvSpPr>
+          <p:cNvPr id="7" name="Freeform 7"/>
           <p:cNvSpPr/>
           <p:nvPr/>
         </p:nvSpPr>
         <p:spPr>
-          <a:xfrm flipH="false" flipV="false" rot="0">
+          <a:xfrm>
             <a:off x="13239613" y="5093710"/>
             <a:ext cx="784646" cy="784646"/>
           </a:xfrm>
@@ -6620,9 +6842,9 @@
             <a:gdLst/>
             <a:ahLst/>
             <a:cxnLst/>
-            <a:rect r="r" b="b" t="t" l="l"/>
+            <a:rect l="l" t="t" r="r" b="b"/>
             <a:pathLst>
-              <a:path h="784646" w="784646">
+              <a:path w="784646" h="784646">
                 <a:moveTo>
                   <a:pt x="0" y="0"/>
                 </a:moveTo>
@@ -6645,19 +6867,26 @@
           <a:blipFill>
             <a:blip r:embed="rId7"/>
             <a:stretch>
-              <a:fillRect l="0" t="0" r="0" b="0"/>
+              <a:fillRect/>
             </a:stretch>
           </a:blipFill>
         </p:spPr>
-      </p:sp>
-      <p:sp>
-        <p:nvSpPr>
-          <p:cNvPr name="Freeform 8" id="8"/>
+        <p:txBody>
+          <a:bodyPr/>
+          <a:lstStyle/>
+          <a:p>
+            <a:endParaRPr lang="it-IT"/>
+          </a:p>
+        </p:txBody>
+      </p:sp>
+      <p:sp>
+        <p:nvSpPr>
+          <p:cNvPr id="8" name="Freeform 8"/>
           <p:cNvSpPr/>
           <p:nvPr/>
         </p:nvSpPr>
         <p:spPr>
-          <a:xfrm flipH="false" flipV="false" rot="0">
+          <a:xfrm>
             <a:off x="13239613" y="7557355"/>
             <a:ext cx="783649" cy="783649"/>
           </a:xfrm>
@@ -6666,9 +6895,9 @@
             <a:gdLst/>
             <a:ahLst/>
             <a:cxnLst/>
-            <a:rect r="r" b="b" t="t" l="l"/>
+            <a:rect l="l" t="t" r="r" b="b"/>
             <a:pathLst>
-              <a:path h="783649" w="783649">
+              <a:path w="783649" h="783649">
                 <a:moveTo>
                   <a:pt x="0" y="0"/>
                 </a:moveTo>
@@ -6691,19 +6920,26 @@
           <a:blipFill>
             <a:blip r:embed="rId8"/>
             <a:stretch>
-              <a:fillRect l="0" t="0" r="0" b="0"/>
+              <a:fillRect/>
             </a:stretch>
           </a:blipFill>
         </p:spPr>
-      </p:sp>
-      <p:sp>
-        <p:nvSpPr>
-          <p:cNvPr name="Freeform 9" id="9"/>
+        <p:txBody>
+          <a:bodyPr/>
+          <a:lstStyle/>
+          <a:p>
+            <a:endParaRPr lang="it-IT"/>
+          </a:p>
+        </p:txBody>
+      </p:sp>
+      <p:sp>
+        <p:nvSpPr>
+          <p:cNvPr id="9" name="Freeform 9"/>
           <p:cNvSpPr/>
           <p:nvPr/>
         </p:nvSpPr>
         <p:spPr>
-          <a:xfrm flipH="false" flipV="false" rot="0">
+          <a:xfrm>
             <a:off x="1031007" y="5093710"/>
             <a:ext cx="779125" cy="779125"/>
           </a:xfrm>
@@ -6712,9 +6948,9 @@
             <a:gdLst/>
             <a:ahLst/>
             <a:cxnLst/>
-            <a:rect r="r" b="b" t="t" l="l"/>
+            <a:rect l="l" t="t" r="r" b="b"/>
             <a:pathLst>
-              <a:path h="779125" w="779125">
+              <a:path w="779125" h="779125">
                 <a:moveTo>
                   <a:pt x="0" y="0"/>
                 </a:moveTo>
@@ -6737,19 +6973,26 @@
           <a:blipFill>
             <a:blip r:embed="rId9"/>
             <a:stretch>
-              <a:fillRect l="0" t="0" r="0" b="0"/>
+              <a:fillRect/>
             </a:stretch>
           </a:blipFill>
         </p:spPr>
-      </p:sp>
-      <p:sp>
-        <p:nvSpPr>
-          <p:cNvPr name="Freeform 10" id="10"/>
+        <p:txBody>
+          <a:bodyPr/>
+          <a:lstStyle/>
+          <a:p>
+            <a:endParaRPr lang="it-IT"/>
+          </a:p>
+        </p:txBody>
+      </p:sp>
+      <p:sp>
+        <p:nvSpPr>
+          <p:cNvPr id="10" name="Freeform 10"/>
           <p:cNvSpPr/>
           <p:nvPr/>
         </p:nvSpPr>
         <p:spPr>
-          <a:xfrm flipH="false" flipV="false" rot="0">
+          <a:xfrm>
             <a:off x="13239613" y="3963020"/>
             <a:ext cx="788173" cy="908012"/>
           </a:xfrm>
@@ -6758,9 +7001,9 @@
             <a:gdLst/>
             <a:ahLst/>
             <a:cxnLst/>
-            <a:rect r="r" b="b" t="t" l="l"/>
+            <a:rect l="l" t="t" r="r" b="b"/>
             <a:pathLst>
-              <a:path h="908012" w="788173">
+              <a:path w="788173" h="908012">
                 <a:moveTo>
                   <a:pt x="0" y="0"/>
                 </a:moveTo>
@@ -6783,19 +7026,26 @@
           <a:blipFill>
             <a:blip r:embed="rId10"/>
             <a:stretch>
-              <a:fillRect l="0" t="0" r="0" b="0"/>
+              <a:fillRect/>
             </a:stretch>
           </a:blipFill>
         </p:spPr>
-      </p:sp>
-      <p:sp>
-        <p:nvSpPr>
-          <p:cNvPr name="Freeform 11" id="11"/>
+        <p:txBody>
+          <a:bodyPr/>
+          <a:lstStyle/>
+          <a:p>
+            <a:endParaRPr lang="it-IT"/>
+          </a:p>
+        </p:txBody>
+      </p:sp>
+      <p:sp>
+        <p:nvSpPr>
+          <p:cNvPr id="11" name="Freeform 11"/>
           <p:cNvSpPr/>
           <p:nvPr/>
         </p:nvSpPr>
         <p:spPr>
-          <a:xfrm flipH="false" flipV="false" rot="0">
+          <a:xfrm>
             <a:off x="1028700" y="6328248"/>
             <a:ext cx="781433" cy="781433"/>
           </a:xfrm>
@@ -6804,9 +7054,9 @@
             <a:gdLst/>
             <a:ahLst/>
             <a:cxnLst/>
-            <a:rect r="r" b="b" t="t" l="l"/>
+            <a:rect l="l" t="t" r="r" b="b"/>
             <a:pathLst>
-              <a:path h="781433" w="781433">
+              <a:path w="781433" h="781433">
                 <a:moveTo>
                   <a:pt x="0" y="0"/>
                 </a:moveTo>
@@ -6829,19 +7079,26 @@
           <a:blipFill>
             <a:blip r:embed="rId11"/>
             <a:stretch>
-              <a:fillRect l="0" t="0" r="0" b="0"/>
+              <a:fillRect/>
             </a:stretch>
           </a:blipFill>
         </p:spPr>
-      </p:sp>
-      <p:sp>
-        <p:nvSpPr>
-          <p:cNvPr name="Freeform 12" id="12"/>
+        <p:txBody>
+          <a:bodyPr/>
+          <a:lstStyle/>
+          <a:p>
+            <a:endParaRPr lang="it-IT"/>
+          </a:p>
+        </p:txBody>
+      </p:sp>
+      <p:sp>
+        <p:nvSpPr>
+          <p:cNvPr id="12" name="Freeform 12"/>
           <p:cNvSpPr/>
           <p:nvPr/>
         </p:nvSpPr>
         <p:spPr>
-          <a:xfrm flipH="false" flipV="false" rot="0">
+          <a:xfrm>
             <a:off x="1002089" y="7557355"/>
             <a:ext cx="783649" cy="783649"/>
           </a:xfrm>
@@ -6850,9 +7107,9 @@
             <a:gdLst/>
             <a:ahLst/>
             <a:cxnLst/>
-            <a:rect r="r" b="b" t="t" l="l"/>
+            <a:rect l="l" t="t" r="r" b="b"/>
             <a:pathLst>
-              <a:path h="783649" w="783649">
+              <a:path w="783649" h="783649">
                 <a:moveTo>
                   <a:pt x="0" y="0"/>
                 </a:moveTo>
@@ -6875,19 +7132,26 @@
           <a:blipFill>
             <a:blip r:embed="rId12"/>
             <a:stretch>
-              <a:fillRect l="0" t="0" r="0" b="0"/>
+              <a:fillRect/>
             </a:stretch>
           </a:blipFill>
         </p:spPr>
-      </p:sp>
-      <p:sp>
-        <p:nvSpPr>
-          <p:cNvPr name="TextBox 13" id="13"/>
-          <p:cNvSpPr txBox="true"/>
-          <p:nvPr/>
-        </p:nvSpPr>
-        <p:spPr>
-          <a:xfrm rot="0">
+        <p:txBody>
+          <a:bodyPr/>
+          <a:lstStyle/>
+          <a:p>
+            <a:endParaRPr lang="it-IT"/>
+          </a:p>
+        </p:txBody>
+      </p:sp>
+      <p:sp>
+        <p:nvSpPr>
+          <p:cNvPr id="13" name="TextBox 13"/>
+          <p:cNvSpPr txBox="1"/>
+          <p:nvPr/>
+        </p:nvSpPr>
+        <p:spPr>
+          <a:xfrm>
             <a:off x="1028700" y="561181"/>
             <a:ext cx="16230600" cy="849312"/>
           </a:xfrm>
@@ -6896,7 +7160,7 @@
           </a:prstGeom>
         </p:spPr>
         <p:txBody>
-          <a:bodyPr anchor="t" rtlCol="false" tIns="0" lIns="0" bIns="0" rIns="0">
+          <a:bodyPr lIns="0" tIns="0" rIns="0" bIns="0" rtlCol="0" anchor="t">
             <a:spAutoFit/>
           </a:bodyPr>
           <a:lstStyle/>
@@ -6920,12 +7184,12 @@
       </p:sp>
       <p:sp>
         <p:nvSpPr>
-          <p:cNvPr name="TextBox 14" id="14"/>
-          <p:cNvSpPr txBox="true"/>
-          <p:nvPr/>
-        </p:nvSpPr>
-        <p:spPr>
-          <a:xfrm rot="0">
+          <p:cNvPr id="14" name="TextBox 14"/>
+          <p:cNvSpPr txBox="1"/>
+          <p:nvPr/>
+        </p:nvSpPr>
+        <p:spPr>
+          <a:xfrm>
             <a:off x="1028700" y="1420588"/>
             <a:ext cx="16230600" cy="684213"/>
           </a:xfrm>
@@ -6934,7 +7198,7 @@
           </a:prstGeom>
         </p:spPr>
         <p:txBody>
-          <a:bodyPr anchor="t" rtlCol="false" tIns="0" lIns="0" bIns="0" rIns="0">
+          <a:bodyPr lIns="0" tIns="0" rIns="0" bIns="0" rtlCol="0" anchor="t">
             <a:spAutoFit/>
           </a:bodyPr>
           <a:lstStyle/>
@@ -6958,12 +7222,12 @@
       </p:sp>
       <p:sp>
         <p:nvSpPr>
-          <p:cNvPr name="TextBox 15" id="15"/>
-          <p:cNvSpPr txBox="true"/>
-          <p:nvPr/>
-        </p:nvSpPr>
-        <p:spPr>
-          <a:xfrm rot="0">
+          <p:cNvPr id="15" name="TextBox 15"/>
+          <p:cNvSpPr txBox="1"/>
+          <p:nvPr/>
+        </p:nvSpPr>
+        <p:spPr>
+          <a:xfrm>
             <a:off x="14203385" y="2860513"/>
             <a:ext cx="2089736" cy="422275"/>
           </a:xfrm>
@@ -6972,7 +7236,7 @@
           </a:prstGeom>
         </p:spPr>
         <p:txBody>
-          <a:bodyPr anchor="t" rtlCol="false" tIns="0" lIns="0" bIns="0" rIns="0">
+          <a:bodyPr lIns="0" tIns="0" rIns="0" bIns="0" rtlCol="0" anchor="t">
             <a:spAutoFit/>
           </a:bodyPr>
           <a:lstStyle/>
@@ -6999,12 +7263,12 @@
       </p:sp>
       <p:sp>
         <p:nvSpPr>
-          <p:cNvPr name="TextBox 16" id="16"/>
-          <p:cNvSpPr txBox="true"/>
-          <p:nvPr/>
-        </p:nvSpPr>
-        <p:spPr>
-          <a:xfrm rot="0">
+          <p:cNvPr id="16" name="TextBox 16"/>
+          <p:cNvSpPr txBox="1"/>
+          <p:nvPr/>
+        </p:nvSpPr>
+        <p:spPr>
+          <a:xfrm>
             <a:off x="1913842" y="2860513"/>
             <a:ext cx="2398700" cy="422275"/>
           </a:xfrm>
@@ -7013,7 +7277,7 @@
           </a:prstGeom>
         </p:spPr>
         <p:txBody>
-          <a:bodyPr anchor="t" rtlCol="false" tIns="0" lIns="0" bIns="0" rIns="0">
+          <a:bodyPr lIns="0" tIns="0" rIns="0" bIns="0" rtlCol="0" anchor="t">
             <a:spAutoFit/>
           </a:bodyPr>
           <a:lstStyle/>
@@ -7040,12 +7304,12 @@
       </p:sp>
       <p:sp>
         <p:nvSpPr>
-          <p:cNvPr name="TextBox 17" id="17"/>
-          <p:cNvSpPr txBox="true"/>
-          <p:nvPr/>
-        </p:nvSpPr>
-        <p:spPr>
-          <a:xfrm rot="0">
+          <p:cNvPr id="17" name="TextBox 17"/>
+          <p:cNvSpPr txBox="1"/>
+          <p:nvPr/>
+        </p:nvSpPr>
+        <p:spPr>
+          <a:xfrm>
             <a:off x="1913842" y="4139119"/>
             <a:ext cx="2625144" cy="422275"/>
           </a:xfrm>
@@ -7054,7 +7318,7 @@
           </a:prstGeom>
         </p:spPr>
         <p:txBody>
-          <a:bodyPr anchor="t" rtlCol="false" tIns="0" lIns="0" bIns="0" rIns="0">
+          <a:bodyPr lIns="0" tIns="0" rIns="0" bIns="0" rtlCol="0" anchor="t">
             <a:spAutoFit/>
           </a:bodyPr>
           <a:lstStyle/>
@@ -7081,12 +7345,12 @@
       </p:sp>
       <p:sp>
         <p:nvSpPr>
-          <p:cNvPr name="TextBox 18" id="18"/>
-          <p:cNvSpPr txBox="true"/>
-          <p:nvPr/>
-        </p:nvSpPr>
-        <p:spPr>
-          <a:xfrm rot="0">
+          <p:cNvPr id="18" name="TextBox 18"/>
+          <p:cNvSpPr txBox="1"/>
+          <p:nvPr/>
+        </p:nvSpPr>
+        <p:spPr>
+          <a:xfrm>
             <a:off x="1905382" y="5320946"/>
             <a:ext cx="813593" cy="422275"/>
           </a:xfrm>
@@ -7095,7 +7359,7 @@
           </a:prstGeom>
         </p:spPr>
         <p:txBody>
-          <a:bodyPr anchor="t" rtlCol="false" tIns="0" lIns="0" bIns="0" rIns="0">
+          <a:bodyPr lIns="0" tIns="0" rIns="0" bIns="0" rtlCol="0" anchor="t">
             <a:spAutoFit/>
           </a:bodyPr>
           <a:lstStyle/>
@@ -7122,12 +7386,12 @@
       </p:sp>
       <p:sp>
         <p:nvSpPr>
-          <p:cNvPr name="TextBox 19" id="19"/>
-          <p:cNvSpPr txBox="true"/>
-          <p:nvPr/>
-        </p:nvSpPr>
-        <p:spPr>
-          <a:xfrm rot="0">
+          <p:cNvPr id="19" name="TextBox 19"/>
+          <p:cNvSpPr txBox="1"/>
+          <p:nvPr/>
+        </p:nvSpPr>
+        <p:spPr>
+          <a:xfrm>
             <a:off x="14203385" y="5320946"/>
             <a:ext cx="2447986" cy="422275"/>
           </a:xfrm>
@@ -7136,7 +7400,7 @@
           </a:prstGeom>
         </p:spPr>
         <p:txBody>
-          <a:bodyPr anchor="t" rtlCol="false" tIns="0" lIns="0" bIns="0" rIns="0">
+          <a:bodyPr lIns="0" tIns="0" rIns="0" bIns="0" rtlCol="0" anchor="t">
             <a:spAutoFit/>
           </a:bodyPr>
           <a:lstStyle/>
@@ -7163,12 +7427,12 @@
       </p:sp>
       <p:sp>
         <p:nvSpPr>
-          <p:cNvPr name="TextBox 20" id="20"/>
-          <p:cNvSpPr txBox="true"/>
-          <p:nvPr/>
-        </p:nvSpPr>
-        <p:spPr>
-          <a:xfrm rot="0">
+          <p:cNvPr id="20" name="TextBox 20"/>
+          <p:cNvSpPr txBox="1"/>
+          <p:nvPr/>
+        </p:nvSpPr>
+        <p:spPr>
+          <a:xfrm>
             <a:off x="14252860" y="6482407"/>
             <a:ext cx="2089736" cy="422275"/>
           </a:xfrm>
@@ -7177,7 +7441,7 @@
           </a:prstGeom>
         </p:spPr>
         <p:txBody>
-          <a:bodyPr anchor="t" rtlCol="false" tIns="0" lIns="0" bIns="0" rIns="0">
+          <a:bodyPr lIns="0" tIns="0" rIns="0" bIns="0" rtlCol="0" anchor="t">
             <a:spAutoFit/>
           </a:bodyPr>
           <a:lstStyle/>
@@ -7204,12 +7468,12 @@
       </p:sp>
       <p:sp>
         <p:nvSpPr>
-          <p:cNvPr name="TextBox 21" id="21"/>
-          <p:cNvSpPr txBox="true"/>
-          <p:nvPr/>
-        </p:nvSpPr>
-        <p:spPr>
-          <a:xfrm rot="0">
+          <p:cNvPr id="21" name="TextBox 21"/>
+          <p:cNvSpPr txBox="1"/>
+          <p:nvPr/>
+        </p:nvSpPr>
+        <p:spPr>
+          <a:xfrm>
             <a:off x="14252860" y="7713731"/>
             <a:ext cx="2447986" cy="422275"/>
           </a:xfrm>
@@ -7218,7 +7482,7 @@
           </a:prstGeom>
         </p:spPr>
         <p:txBody>
-          <a:bodyPr anchor="t" rtlCol="false" tIns="0" lIns="0" bIns="0" rIns="0">
+          <a:bodyPr lIns="0" tIns="0" rIns="0" bIns="0" rtlCol="0" anchor="t">
             <a:spAutoFit/>
           </a:bodyPr>
           <a:lstStyle/>
@@ -7245,12 +7509,12 @@
       </p:sp>
       <p:sp>
         <p:nvSpPr>
-          <p:cNvPr name="TextBox 22" id="22"/>
-          <p:cNvSpPr txBox="true"/>
-          <p:nvPr/>
-        </p:nvSpPr>
-        <p:spPr>
-          <a:xfrm rot="0">
+          <p:cNvPr id="22" name="TextBox 22"/>
+          <p:cNvSpPr txBox="1"/>
+          <p:nvPr/>
+        </p:nvSpPr>
+        <p:spPr>
+          <a:xfrm>
             <a:off x="14256387" y="4139119"/>
             <a:ext cx="3646951" cy="422275"/>
           </a:xfrm>
@@ -7259,7 +7523,7 @@
           </a:prstGeom>
         </p:spPr>
         <p:txBody>
-          <a:bodyPr anchor="t" rtlCol="false" tIns="0" lIns="0" bIns="0" rIns="0">
+          <a:bodyPr lIns="0" tIns="0" rIns="0" bIns="0" rtlCol="0" anchor="t">
             <a:spAutoFit/>
           </a:bodyPr>
           <a:lstStyle/>
@@ -7286,12 +7550,12 @@
       </p:sp>
       <p:sp>
         <p:nvSpPr>
-          <p:cNvPr name="TextBox 23" id="23"/>
-          <p:cNvSpPr txBox="true"/>
-          <p:nvPr/>
-        </p:nvSpPr>
-        <p:spPr>
-          <a:xfrm rot="0">
+          <p:cNvPr id="23" name="TextBox 23"/>
+          <p:cNvSpPr txBox="1"/>
+          <p:nvPr/>
+        </p:nvSpPr>
+        <p:spPr>
+          <a:xfrm>
             <a:off x="1913842" y="7713731"/>
             <a:ext cx="3399301" cy="422275"/>
           </a:xfrm>
@@ -7300,7 +7564,7 @@
           </a:prstGeom>
         </p:spPr>
         <p:txBody>
-          <a:bodyPr anchor="t" rtlCol="false" tIns="0" lIns="0" bIns="0" rIns="0">
+          <a:bodyPr lIns="0" tIns="0" rIns="0" bIns="0" rtlCol="0" anchor="t">
             <a:spAutoFit/>
           </a:bodyPr>
           <a:lstStyle/>
@@ -7327,12 +7591,12 @@
       </p:sp>
       <p:sp>
         <p:nvSpPr>
-          <p:cNvPr name="TextBox 24" id="24"/>
-          <p:cNvSpPr txBox="true"/>
-          <p:nvPr/>
-        </p:nvSpPr>
-        <p:spPr>
-          <a:xfrm rot="0">
+          <p:cNvPr id="24" name="TextBox 24"/>
+          <p:cNvSpPr txBox="1"/>
+          <p:nvPr/>
+        </p:nvSpPr>
+        <p:spPr>
+          <a:xfrm>
             <a:off x="1913842" y="6482407"/>
             <a:ext cx="3399301" cy="422275"/>
           </a:xfrm>
@@ -7341,7 +7605,7 @@
           </a:prstGeom>
         </p:spPr>
         <p:txBody>
-          <a:bodyPr anchor="t" rtlCol="false" tIns="0" lIns="0" bIns="0" rIns="0">
+          <a:bodyPr lIns="0" tIns="0" rIns="0" bIns="0" rtlCol="0" anchor="t">
             <a:spAutoFit/>
           </a:bodyPr>
           <a:lstStyle/>
@@ -7375,13 +7639,14 @@
 </file>
 
 <file path=ppt/slides/slide8.xml><?xml version="1.0" encoding="utf-8"?>
-<p:sld xmlns:p="http://schemas.openxmlformats.org/presentationml/2006/main" xmlns:a="http://schemas.openxmlformats.org/drawingml/2006/main" xmlns:r="http://schemas.openxmlformats.org/officeDocument/2006/relationships">
+<p:sld xmlns:a="http://schemas.openxmlformats.org/drawingml/2006/main" xmlns:r="http://schemas.openxmlformats.org/officeDocument/2006/relationships" xmlns:p="http://schemas.openxmlformats.org/presentationml/2006/main">
   <p:cSld>
     <p:bg>
       <p:bgPr>
         <a:solidFill>
           <a:srgbClr val="F4F4F4"/>
         </a:solidFill>
+        <a:effectLst/>
       </p:bgPr>
     </p:bg>
     <p:spTree>
@@ -7400,12 +7665,12 @@
       </p:grpSpPr>
       <p:sp>
         <p:nvSpPr>
-          <p:cNvPr name="TextBox 2" id="2"/>
-          <p:cNvSpPr txBox="true"/>
-          <p:nvPr/>
-        </p:nvSpPr>
-        <p:spPr>
-          <a:xfrm rot="0">
+          <p:cNvPr id="2" name="TextBox 2"/>
+          <p:cNvSpPr txBox="1"/>
+          <p:nvPr/>
+        </p:nvSpPr>
+        <p:spPr>
+          <a:xfrm>
             <a:off x="1028700" y="2127189"/>
             <a:ext cx="16230600" cy="6788150"/>
           </a:xfrm>
@@ -7414,12 +7679,12 @@
           </a:prstGeom>
         </p:spPr>
         <p:txBody>
-          <a:bodyPr anchor="t" rtlCol="false" tIns="0" lIns="0" bIns="0" rIns="0">
+          <a:bodyPr lIns="0" tIns="0" rIns="0" bIns="0" rtlCol="0" anchor="t">
             <a:spAutoFit/>
           </a:bodyPr>
           <a:lstStyle/>
           <a:p>
-            <a:pPr algn="l" marL="755651" indent="-377825" lvl="1">
+            <a:pPr marL="755651" lvl="1" indent="-377825" algn="l">
               <a:lnSpc>
                 <a:spcPts val="4900"/>
               </a:lnSpc>
@@ -7437,7 +7702,7 @@
             </a:r>
           </a:p>
           <a:p>
-            <a:pPr algn="l" marL="755651" indent="-377825" lvl="1">
+            <a:pPr marL="755651" lvl="1" indent="-377825" algn="l">
               <a:lnSpc>
                 <a:spcPts val="4900"/>
               </a:lnSpc>
@@ -7455,7 +7720,7 @@
             </a:r>
           </a:p>
           <a:p>
-            <a:pPr algn="l" marL="755651" indent="-377825" lvl="1">
+            <a:pPr marL="755651" lvl="1" indent="-377825" algn="l">
               <a:lnSpc>
                 <a:spcPts val="4900"/>
               </a:lnSpc>
@@ -7473,7 +7738,7 @@
             </a:r>
           </a:p>
           <a:p>
-            <a:pPr algn="l" marL="755651" indent="-377825" lvl="1">
+            <a:pPr marL="755651" lvl="1" indent="-377825" algn="l">
               <a:lnSpc>
                 <a:spcPts val="4900"/>
               </a:lnSpc>
@@ -7491,7 +7756,7 @@
             </a:r>
           </a:p>
           <a:p>
-            <a:pPr algn="l" marL="755651" indent="-377825" lvl="1">
+            <a:pPr marL="755651" lvl="1" indent="-377825" algn="l">
               <a:lnSpc>
                 <a:spcPts val="4900"/>
               </a:lnSpc>
@@ -7509,7 +7774,7 @@
             </a:r>
           </a:p>
           <a:p>
-            <a:pPr algn="l" marL="755651" indent="-377825" lvl="1">
+            <a:pPr marL="755651" lvl="1" indent="-377825" algn="l">
               <a:lnSpc>
                 <a:spcPts val="4900"/>
               </a:lnSpc>
@@ -7527,7 +7792,7 @@
             </a:r>
           </a:p>
           <a:p>
-            <a:pPr algn="l" marL="755651" indent="-377825" lvl="1">
+            <a:pPr marL="755651" lvl="1" indent="-377825" algn="l">
               <a:lnSpc>
                 <a:spcPts val="4900"/>
               </a:lnSpc>
@@ -7545,7 +7810,7 @@
             </a:r>
           </a:p>
           <a:p>
-            <a:pPr algn="l" marL="755651" indent="-377825" lvl="1">
+            <a:pPr marL="755651" lvl="1" indent="-377825" algn="l">
               <a:lnSpc>
                 <a:spcPts val="4900"/>
               </a:lnSpc>
@@ -7569,12 +7834,12 @@
       </p:sp>
       <p:sp>
         <p:nvSpPr>
-          <p:cNvPr name="Freeform 3" id="3"/>
+          <p:cNvPr id="3" name="Freeform 3"/>
           <p:cNvSpPr/>
           <p:nvPr/>
         </p:nvSpPr>
         <p:spPr>
-          <a:xfrm flipH="false" flipV="false" rot="0">
+          <a:xfrm>
             <a:off x="3871556" y="9153929"/>
             <a:ext cx="828645" cy="828645"/>
           </a:xfrm>
@@ -7583,9 +7848,9 @@
             <a:gdLst/>
             <a:ahLst/>
             <a:cxnLst/>
-            <a:rect r="r" b="b" t="t" l="l"/>
+            <a:rect l="l" t="t" r="r" b="b"/>
             <a:pathLst>
-              <a:path h="828645" w="828645">
+              <a:path w="828645" h="828645">
                 <a:moveTo>
                   <a:pt x="0" y="0"/>
                 </a:moveTo>
@@ -7608,19 +7873,26 @@
           <a:blipFill>
             <a:blip r:embed="rId2"/>
             <a:stretch>
-              <a:fillRect l="0" t="0" r="0" b="0"/>
+              <a:fillRect/>
             </a:stretch>
           </a:blipFill>
         </p:spPr>
-      </p:sp>
-      <p:sp>
-        <p:nvSpPr>
-          <p:cNvPr name="Freeform 4" id="4"/>
+        <p:txBody>
+          <a:bodyPr/>
+          <a:lstStyle/>
+          <a:p>
+            <a:endParaRPr lang="it-IT"/>
+          </a:p>
+        </p:txBody>
+      </p:sp>
+      <p:sp>
+        <p:nvSpPr>
+          <p:cNvPr id="4" name="Freeform 4"/>
           <p:cNvSpPr/>
           <p:nvPr/>
         </p:nvSpPr>
         <p:spPr>
-          <a:xfrm flipH="false" flipV="false" rot="0">
+          <a:xfrm>
             <a:off x="8010882" y="9193602"/>
             <a:ext cx="788173" cy="908012"/>
           </a:xfrm>
@@ -7629,9 +7901,9 @@
             <a:gdLst/>
             <a:ahLst/>
             <a:cxnLst/>
-            <a:rect r="r" b="b" t="t" l="l"/>
+            <a:rect l="l" t="t" r="r" b="b"/>
             <a:pathLst>
-              <a:path h="908012" w="788173">
+              <a:path w="788173" h="908012">
                 <a:moveTo>
                   <a:pt x="0" y="0"/>
                 </a:moveTo>
@@ -7654,19 +7926,26 @@
           <a:blipFill>
             <a:blip r:embed="rId3"/>
             <a:stretch>
-              <a:fillRect l="0" t="0" r="0" b="0"/>
+              <a:fillRect/>
             </a:stretch>
           </a:blipFill>
         </p:spPr>
-      </p:sp>
-      <p:sp>
-        <p:nvSpPr>
-          <p:cNvPr name="TextBox 5" id="5"/>
-          <p:cNvSpPr txBox="true"/>
-          <p:nvPr/>
-        </p:nvSpPr>
-        <p:spPr>
-          <a:xfrm rot="0">
+        <p:txBody>
+          <a:bodyPr/>
+          <a:lstStyle/>
+          <a:p>
+            <a:endParaRPr lang="it-IT"/>
+          </a:p>
+        </p:txBody>
+      </p:sp>
+      <p:sp>
+        <p:nvSpPr>
+          <p:cNvPr id="5" name="TextBox 5"/>
+          <p:cNvSpPr txBox="1"/>
+          <p:nvPr/>
+        </p:nvSpPr>
+        <p:spPr>
+          <a:xfrm>
             <a:off x="1028700" y="628650"/>
             <a:ext cx="16230600" cy="849312"/>
           </a:xfrm>
@@ -7675,7 +7954,7 @@
           </a:prstGeom>
         </p:spPr>
         <p:txBody>
-          <a:bodyPr anchor="t" rtlCol="false" tIns="0" lIns="0" bIns="0" rIns="0">
+          <a:bodyPr lIns="0" tIns="0" rIns="0" bIns="0" rtlCol="0" anchor="t">
             <a:spAutoFit/>
           </a:bodyPr>
           <a:lstStyle/>
@@ -7699,12 +7978,12 @@
       </p:sp>
       <p:sp>
         <p:nvSpPr>
-          <p:cNvPr name="TextBox 6" id="6"/>
-          <p:cNvSpPr txBox="true"/>
-          <p:nvPr/>
-        </p:nvSpPr>
-        <p:spPr>
-          <a:xfrm rot="0">
+          <p:cNvPr id="6" name="TextBox 6"/>
+          <p:cNvSpPr txBox="1"/>
+          <p:nvPr/>
+        </p:nvSpPr>
+        <p:spPr>
+          <a:xfrm>
             <a:off x="1028700" y="1401762"/>
             <a:ext cx="16230600" cy="684213"/>
           </a:xfrm>
@@ -7713,7 +7992,7 @@
           </a:prstGeom>
         </p:spPr>
         <p:txBody>
-          <a:bodyPr anchor="t" rtlCol="false" tIns="0" lIns="0" bIns="0" rIns="0">
+          <a:bodyPr lIns="0" tIns="0" rIns="0" bIns="0" rtlCol="0" anchor="t">
             <a:spAutoFit/>
           </a:bodyPr>
           <a:lstStyle/>
@@ -7737,12 +8016,12 @@
       </p:sp>
       <p:sp>
         <p:nvSpPr>
-          <p:cNvPr name="TextBox 7" id="7"/>
-          <p:cNvSpPr txBox="true"/>
-          <p:nvPr/>
-        </p:nvSpPr>
-        <p:spPr>
-          <a:xfrm rot="0">
+          <p:cNvPr id="7" name="TextBox 7"/>
+          <p:cNvSpPr txBox="1"/>
+          <p:nvPr/>
+        </p:nvSpPr>
+        <p:spPr>
+          <a:xfrm>
             <a:off x="4840146" y="9333302"/>
             <a:ext cx="2866115" cy="422275"/>
           </a:xfrm>
@@ -7751,7 +8030,7 @@
           </a:prstGeom>
         </p:spPr>
         <p:txBody>
-          <a:bodyPr anchor="t" rtlCol="false" tIns="0" lIns="0" bIns="0" rIns="0">
+          <a:bodyPr lIns="0" tIns="0" rIns="0" bIns="0" rtlCol="0" anchor="t">
             <a:spAutoFit/>
           </a:bodyPr>
           <a:lstStyle/>
@@ -7778,12 +8057,12 @@
       </p:sp>
       <p:sp>
         <p:nvSpPr>
-          <p:cNvPr name="TextBox 8" id="8"/>
-          <p:cNvSpPr txBox="true"/>
-          <p:nvPr/>
-        </p:nvSpPr>
-        <p:spPr>
-          <a:xfrm rot="0">
+          <p:cNvPr id="8" name="TextBox 8"/>
+          <p:cNvSpPr txBox="1"/>
+          <p:nvPr/>
+        </p:nvSpPr>
+        <p:spPr>
+          <a:xfrm>
             <a:off x="8941930" y="9333302"/>
             <a:ext cx="5474514" cy="422275"/>
           </a:xfrm>
@@ -7792,7 +8071,7 @@
           </a:prstGeom>
         </p:spPr>
         <p:txBody>
-          <a:bodyPr anchor="t" rtlCol="false" tIns="0" lIns="0" bIns="0" rIns="0">
+          <a:bodyPr lIns="0" tIns="0" rIns="0" bIns="0" rtlCol="0" anchor="t">
             <a:spAutoFit/>
           </a:bodyPr>
           <a:lstStyle/>
@@ -7826,13 +8105,14 @@
 </file>
 
 <file path=ppt/slides/slide9.xml><?xml version="1.0" encoding="utf-8"?>
-<p:sld xmlns:p="http://schemas.openxmlformats.org/presentationml/2006/main" xmlns:a="http://schemas.openxmlformats.org/drawingml/2006/main" xmlns:r="http://schemas.openxmlformats.org/officeDocument/2006/relationships">
+<p:sld xmlns:a="http://schemas.openxmlformats.org/drawingml/2006/main" xmlns:r="http://schemas.openxmlformats.org/officeDocument/2006/relationships" xmlns:p="http://schemas.openxmlformats.org/presentationml/2006/main">
   <p:cSld>
     <p:bg>
       <p:bgPr>
         <a:solidFill>
           <a:srgbClr val="F4F4F4"/>
         </a:solidFill>
+        <a:effectLst/>
       </p:bgPr>
     </p:bg>
     <p:spTree>
@@ -7851,12 +8131,12 @@
       </p:grpSpPr>
       <p:sp>
         <p:nvSpPr>
-          <p:cNvPr name="Freeform 2" id="2"/>
+          <p:cNvPr id="2" name="Freeform 2"/>
           <p:cNvSpPr/>
           <p:nvPr/>
         </p:nvSpPr>
         <p:spPr>
-          <a:xfrm flipH="false" flipV="false" rot="0">
+          <a:xfrm>
             <a:off x="5427438" y="4686239"/>
             <a:ext cx="7433125" cy="2860212"/>
           </a:xfrm>
@@ -7865,9 +8145,9 @@
             <a:gdLst/>
             <a:ahLst/>
             <a:cxnLst/>
-            <a:rect r="r" b="b" t="t" l="l"/>
+            <a:rect l="l" t="t" r="r" b="b"/>
             <a:pathLst>
-              <a:path h="2860212" w="7433125">
+              <a:path w="7433125" h="2860212">
                 <a:moveTo>
                   <a:pt x="0" y="0"/>
                 </a:moveTo>
@@ -7890,19 +8170,26 @@
           <a:blipFill>
             <a:blip r:embed="rId2"/>
             <a:stretch>
-              <a:fillRect l="0" t="0" r="0" b="0"/>
+              <a:fillRect/>
             </a:stretch>
           </a:blipFill>
         </p:spPr>
-      </p:sp>
-      <p:sp>
-        <p:nvSpPr>
-          <p:cNvPr name="Freeform 3" id="3"/>
+        <p:txBody>
+          <a:bodyPr/>
+          <a:lstStyle/>
+          <a:p>
+            <a:endParaRPr lang="it-IT"/>
+          </a:p>
+        </p:txBody>
+      </p:sp>
+      <p:sp>
+        <p:nvSpPr>
+          <p:cNvPr id="3" name="Freeform 3"/>
           <p:cNvSpPr/>
           <p:nvPr/>
         </p:nvSpPr>
         <p:spPr>
-          <a:xfrm flipH="false" flipV="false" rot="0">
+          <a:xfrm>
             <a:off x="7055783" y="8905350"/>
             <a:ext cx="954479" cy="954479"/>
           </a:xfrm>
@@ -7911,9 +8198,9 @@
             <a:gdLst/>
             <a:ahLst/>
             <a:cxnLst/>
-            <a:rect r="r" b="b" t="t" l="l"/>
+            <a:rect l="l" t="t" r="r" b="b"/>
             <a:pathLst>
-              <a:path h="954479" w="954479">
+              <a:path w="954479" h="954479">
                 <a:moveTo>
                   <a:pt x="0" y="0"/>
                 </a:moveTo>
@@ -7936,19 +8223,26 @@
           <a:blipFill>
             <a:blip r:embed="rId3"/>
             <a:stretch>
-              <a:fillRect l="0" t="0" r="0" b="0"/>
+              <a:fillRect/>
             </a:stretch>
           </a:blipFill>
         </p:spPr>
-      </p:sp>
-      <p:sp>
-        <p:nvSpPr>
-          <p:cNvPr name="TextBox 4" id="4"/>
-          <p:cNvSpPr txBox="true"/>
-          <p:nvPr/>
-        </p:nvSpPr>
-        <p:spPr>
-          <a:xfrm rot="0">
+        <p:txBody>
+          <a:bodyPr/>
+          <a:lstStyle/>
+          <a:p>
+            <a:endParaRPr lang="it-IT"/>
+          </a:p>
+        </p:txBody>
+      </p:sp>
+      <p:sp>
+        <p:nvSpPr>
+          <p:cNvPr id="4" name="TextBox 4"/>
+          <p:cNvSpPr txBox="1"/>
+          <p:nvPr/>
+        </p:nvSpPr>
+        <p:spPr>
+          <a:xfrm>
             <a:off x="1028700" y="2127189"/>
             <a:ext cx="16230600" cy="2454275"/>
           </a:xfrm>
@@ -7957,12 +8251,12 @@
           </a:prstGeom>
         </p:spPr>
         <p:txBody>
-          <a:bodyPr anchor="t" rtlCol="false" tIns="0" lIns="0" bIns="0" rIns="0">
+          <a:bodyPr lIns="0" tIns="0" rIns="0" bIns="0" rtlCol="0" anchor="t">
             <a:spAutoFit/>
           </a:bodyPr>
           <a:lstStyle/>
           <a:p>
-            <a:pPr algn="l" marL="755651" indent="-377825" lvl="1">
+            <a:pPr marL="755651" lvl="1" indent="-377825" algn="l">
               <a:lnSpc>
                 <a:spcPts val="4900"/>
               </a:lnSpc>
@@ -7980,7 +8274,7 @@
             </a:r>
           </a:p>
           <a:p>
-            <a:pPr algn="l" marL="755651" indent="-377825" lvl="1">
+            <a:pPr marL="755651" lvl="1" indent="-377825" algn="l">
               <a:lnSpc>
                 <a:spcPts val="4900"/>
               </a:lnSpc>
@@ -7998,7 +8292,7 @@
             </a:r>
           </a:p>
           <a:p>
-            <a:pPr algn="l" marL="755651" indent="-377825" lvl="1">
+            <a:pPr marL="755651" lvl="1" indent="-377825" algn="l">
               <a:lnSpc>
                 <a:spcPts val="4900"/>
               </a:lnSpc>
@@ -8038,12 +8332,12 @@
       </p:sp>
       <p:sp>
         <p:nvSpPr>
-          <p:cNvPr name="TextBox 5" id="5"/>
-          <p:cNvSpPr txBox="true"/>
-          <p:nvPr/>
-        </p:nvSpPr>
-        <p:spPr>
-          <a:xfrm rot="0">
+          <p:cNvPr id="5" name="TextBox 5"/>
+          <p:cNvSpPr txBox="1"/>
+          <p:nvPr/>
+        </p:nvSpPr>
+        <p:spPr>
+          <a:xfrm>
             <a:off x="1028700" y="628650"/>
             <a:ext cx="16230600" cy="849312"/>
           </a:xfrm>
@@ -8052,7 +8346,7 @@
           </a:prstGeom>
         </p:spPr>
         <p:txBody>
-          <a:bodyPr anchor="t" rtlCol="false" tIns="0" lIns="0" bIns="0" rIns="0">
+          <a:bodyPr lIns="0" tIns="0" rIns="0" bIns="0" rtlCol="0" anchor="t">
             <a:spAutoFit/>
           </a:bodyPr>
           <a:lstStyle/>
@@ -8076,12 +8370,12 @@
       </p:sp>
       <p:sp>
         <p:nvSpPr>
-          <p:cNvPr name="TextBox 6" id="6"/>
-          <p:cNvSpPr txBox="true"/>
-          <p:nvPr/>
-        </p:nvSpPr>
-        <p:spPr>
-          <a:xfrm rot="0">
+          <p:cNvPr id="6" name="TextBox 6"/>
+          <p:cNvSpPr txBox="1"/>
+          <p:nvPr/>
+        </p:nvSpPr>
+        <p:spPr>
+          <a:xfrm>
             <a:off x="1028700" y="1401762"/>
             <a:ext cx="16230600" cy="684213"/>
           </a:xfrm>
@@ -8090,7 +8384,7 @@
           </a:prstGeom>
         </p:spPr>
         <p:txBody>
-          <a:bodyPr anchor="t" rtlCol="false" tIns="0" lIns="0" bIns="0" rIns="0">
+          <a:bodyPr lIns="0" tIns="0" rIns="0" bIns="0" rtlCol="0" anchor="t">
             <a:spAutoFit/>
           </a:bodyPr>
           <a:lstStyle/>
@@ -8114,12 +8408,12 @@
       </p:sp>
       <p:sp>
         <p:nvSpPr>
-          <p:cNvPr name="TextBox 7" id="7"/>
-          <p:cNvSpPr txBox="true"/>
-          <p:nvPr/>
-        </p:nvSpPr>
-        <p:spPr>
-          <a:xfrm rot="0">
+          <p:cNvPr id="7" name="TextBox 7"/>
+          <p:cNvSpPr txBox="1"/>
+          <p:nvPr/>
+        </p:nvSpPr>
+        <p:spPr>
+          <a:xfrm>
             <a:off x="1028700" y="7584550"/>
             <a:ext cx="17259300" cy="1216025"/>
           </a:xfrm>
@@ -8128,12 +8422,12 @@
           </a:prstGeom>
         </p:spPr>
         <p:txBody>
-          <a:bodyPr anchor="t" rtlCol="false" tIns="0" lIns="0" bIns="0" rIns="0">
+          <a:bodyPr lIns="0" tIns="0" rIns="0" bIns="0" rtlCol="0" anchor="t">
             <a:spAutoFit/>
           </a:bodyPr>
           <a:lstStyle/>
           <a:p>
-            <a:pPr algn="l" marL="755651" indent="-377825" lvl="1">
+            <a:pPr marL="755651" lvl="1" indent="-377825" algn="l">
               <a:lnSpc>
                 <a:spcPts val="4900"/>
               </a:lnSpc>
@@ -8144,7 +8438,7 @@
               <a:buChar char="•"/>
             </a:pPr>
             <a:r>
-              <a:rPr lang="en-US" sz="3500" strike="noStrike" u="none">
+              <a:rPr lang="en-US" sz="3500" u="none" strike="noStrike" dirty="0">
                 <a:solidFill>
                   <a:srgbClr val="404040"/>
                 </a:solidFill>
@@ -8157,12 +8451,12 @@
       </p:sp>
       <p:sp>
         <p:nvSpPr>
-          <p:cNvPr name="TextBox 8" id="8"/>
-          <p:cNvSpPr txBox="true"/>
-          <p:nvPr/>
-        </p:nvSpPr>
-        <p:spPr>
-          <a:xfrm rot="0">
+          <p:cNvPr id="8" name="TextBox 8"/>
+          <p:cNvSpPr txBox="1"/>
+          <p:nvPr/>
+        </p:nvSpPr>
+        <p:spPr>
+          <a:xfrm>
             <a:off x="8010262" y="9147640"/>
             <a:ext cx="3221955" cy="422275"/>
           </a:xfrm>
@@ -8171,7 +8465,7 @@
           </a:prstGeom>
         </p:spPr>
         <p:txBody>
-          <a:bodyPr anchor="t" rtlCol="false" tIns="0" lIns="0" bIns="0" rIns="0">
+          <a:bodyPr lIns="0" tIns="0" rIns="0" bIns="0" rtlCol="0" anchor="t">
             <a:spAutoFit/>
           </a:bodyPr>
           <a:lstStyle/>

--- a/Presentation/Presentation PPTX.pptx
+++ b/Presentation/Presentation PPTX.pptx
@@ -328,7 +328,7 @@
             <a:fld id="{1D8BD707-D9CF-40AE-B4C6-C98DA3205C09}" type="datetimeFigureOut">
               <a:rPr lang="en-US" smtClean="0"/>
               <a:pPr/>
-              <a:t>6/14/24</a:t>
+              <a:t>6/15/24</a:t>
             </a:fld>
             <a:endParaRPr lang="en-US"/>
           </a:p>
@@ -493,7 +493,7 @@
             <a:fld id="{1D8BD707-D9CF-40AE-B4C6-C98DA3205C09}" type="datetimeFigureOut">
               <a:rPr lang="en-US" smtClean="0"/>
               <a:pPr/>
-              <a:t>6/14/24</a:t>
+              <a:t>6/15/24</a:t>
             </a:fld>
             <a:endParaRPr lang="en-US"/>
           </a:p>
@@ -668,7 +668,7 @@
             <a:fld id="{1D8BD707-D9CF-40AE-B4C6-C98DA3205C09}" type="datetimeFigureOut">
               <a:rPr lang="en-US" smtClean="0"/>
               <a:pPr/>
-              <a:t>6/14/24</a:t>
+              <a:t>6/15/24</a:t>
             </a:fld>
             <a:endParaRPr lang="en-US"/>
           </a:p>
@@ -833,7 +833,7 @@
             <a:fld id="{1D8BD707-D9CF-40AE-B4C6-C98DA3205C09}" type="datetimeFigureOut">
               <a:rPr lang="en-US" smtClean="0"/>
               <a:pPr/>
-              <a:t>6/14/24</a:t>
+              <a:t>6/15/24</a:t>
             </a:fld>
             <a:endParaRPr lang="en-US"/>
           </a:p>
@@ -1075,7 +1075,7 @@
             <a:fld id="{1D8BD707-D9CF-40AE-B4C6-C98DA3205C09}" type="datetimeFigureOut">
               <a:rPr lang="en-US" smtClean="0"/>
               <a:pPr/>
-              <a:t>6/14/24</a:t>
+              <a:t>6/15/24</a:t>
             </a:fld>
             <a:endParaRPr lang="en-US"/>
           </a:p>
@@ -1357,7 +1357,7 @@
             <a:fld id="{1D8BD707-D9CF-40AE-B4C6-C98DA3205C09}" type="datetimeFigureOut">
               <a:rPr lang="en-US" smtClean="0"/>
               <a:pPr/>
-              <a:t>6/14/24</a:t>
+              <a:t>6/15/24</a:t>
             </a:fld>
             <a:endParaRPr lang="en-US"/>
           </a:p>
@@ -1773,7 +1773,7 @@
             <a:fld id="{1D8BD707-D9CF-40AE-B4C6-C98DA3205C09}" type="datetimeFigureOut">
               <a:rPr lang="en-US" smtClean="0"/>
               <a:pPr/>
-              <a:t>6/14/24</a:t>
+              <a:t>6/15/24</a:t>
             </a:fld>
             <a:endParaRPr lang="en-US"/>
           </a:p>
@@ -1887,7 +1887,7 @@
             <a:fld id="{1D8BD707-D9CF-40AE-B4C6-C98DA3205C09}" type="datetimeFigureOut">
               <a:rPr lang="en-US" smtClean="0"/>
               <a:pPr/>
-              <a:t>6/14/24</a:t>
+              <a:t>6/15/24</a:t>
             </a:fld>
             <a:endParaRPr lang="en-US"/>
           </a:p>
@@ -1979,7 +1979,7 @@
             <a:fld id="{1D8BD707-D9CF-40AE-B4C6-C98DA3205C09}" type="datetimeFigureOut">
               <a:rPr lang="en-US" smtClean="0"/>
               <a:pPr/>
-              <a:t>6/14/24</a:t>
+              <a:t>6/15/24</a:t>
             </a:fld>
             <a:endParaRPr lang="en-US"/>
           </a:p>
@@ -2251,7 +2251,7 @@
             <a:fld id="{1D8BD707-D9CF-40AE-B4C6-C98DA3205C09}" type="datetimeFigureOut">
               <a:rPr lang="en-US" smtClean="0"/>
               <a:pPr/>
-              <a:t>6/14/24</a:t>
+              <a:t>6/15/24</a:t>
             </a:fld>
             <a:endParaRPr lang="en-US"/>
           </a:p>
@@ -2500,7 +2500,7 @@
             <a:fld id="{1D8BD707-D9CF-40AE-B4C6-C98DA3205C09}" type="datetimeFigureOut">
               <a:rPr lang="en-US" smtClean="0"/>
               <a:pPr/>
-              <a:t>6/14/24</a:t>
+              <a:t>6/15/24</a:t>
             </a:fld>
             <a:endParaRPr lang="en-US"/>
           </a:p>
@@ -2708,7 +2708,7 @@
             <a:fld id="{1D8BD707-D9CF-40AE-B4C6-C98DA3205C09}" type="datetimeFigureOut">
               <a:rPr lang="en-US" smtClean="0"/>
               <a:pPr/>
-              <a:t>6/14/24</a:t>
+              <a:t>6/15/24</a:t>
             </a:fld>
             <a:endParaRPr lang="en-US"/>
           </a:p>
@@ -6329,7 +6329,7 @@
         <p:spPr>
           <a:xfrm>
             <a:off x="1028700" y="2718991"/>
-            <a:ext cx="16230600" cy="1216025"/>
+            <a:ext cx="16230600" cy="1232132"/>
           </a:xfrm>
           <a:prstGeom prst="rect">
             <a:avLst/>
@@ -6356,7 +6356,16 @@
                 </a:solidFill>
                 <a:latin typeface="Now"/>
               </a:rPr>
-              <a:t>Initialize the city simulation environment where agents interact and navigate. Handles the movement of police agents icon step after step. </a:t>
+              <a:t>Initializes the city simulation environment where agents interact and navigate. </a:t>
+            </a:r>
+            <a:r>
+              <a:rPr lang="en-US" sz="3500" dirty="0">
+                <a:solidFill>
+                  <a:srgbClr val="404040"/>
+                </a:solidFill>
+                <a:latin typeface="Now"/>
+              </a:rPr>
+              <a:t>Handles the movement of police agents icon step after step. </a:t>
             </a:r>
           </a:p>
         </p:txBody>

--- a/Presentation/Presentation PPTX.pptx
+++ b/Presentation/Presentation PPTX.pptx
@@ -4864,7 +4864,7 @@
                 </a:solidFill>
                 <a:latin typeface="Now"/>
               </a:rPr>
-              <a:t>Handles the logic to arrest a criminal which involves removing the criminal’s icon from the grid when a police agent finds and arrest him.</a:t>
+              <a:t>Handles the logic to arrest a criminal which involves removing the criminal’s icon from the grid when a police agent finds and arrests him.</a:t>
             </a:r>
           </a:p>
         </p:txBody>
